--- a/Presentation/Covid_CalFresh_v.01.pptx
+++ b/Presentation/Covid_CalFresh_v.01.pptx
@@ -5,10 +5,10 @@
     <p:sldMasterId id="2147483648" r:id="rId4"/>
   </p:sldMasterIdLst>
   <p:notesMasterIdLst>
-    <p:notesMasterId r:id="rId15"/>
+    <p:notesMasterId r:id="rId16"/>
   </p:notesMasterIdLst>
   <p:handoutMasterIdLst>
-    <p:handoutMasterId r:id="rId16"/>
+    <p:handoutMasterId r:id="rId17"/>
   </p:handoutMasterIdLst>
   <p:sldIdLst>
     <p:sldId id="527" r:id="rId5"/>
@@ -20,7 +20,8 @@
     <p:sldId id="535" r:id="rId11"/>
     <p:sldId id="533" r:id="rId12"/>
     <p:sldId id="536" r:id="rId13"/>
-    <p:sldId id="537" r:id="rId14"/>
+    <p:sldId id="538" r:id="rId14"/>
+    <p:sldId id="537" r:id="rId15"/>
   </p:sldIdLst>
   <p:sldSz cx="12188825" cy="6858000"/>
   <p:notesSz cx="6858000" cy="9144000"/>
@@ -5859,6 +5860,121 @@
           <a:bodyPr/>
           <a:lstStyle/>
           <a:p>
+            <a:r>
+              <a:rPr lang="en-US" dirty="0"/>
+              <a:t>Our initial assumption was that COVID infection rates would contribute to the rise of CalFresh assistance. It did not – initially</a:t>
+            </a:r>
+          </a:p>
+          <a:p>
+            <a:endParaRPr lang="en-US" dirty="0"/>
+          </a:p>
+          <a:p>
+            <a:r>
+              <a:rPr lang="en-US" dirty="0"/>
+              <a:t>The government shutdown policies had a direct and pronounced affect to the rise of unemployment and consequently CalFresh assistance.</a:t>
+            </a:r>
+          </a:p>
+          <a:p>
+            <a:endParaRPr lang="en-US" dirty="0"/>
+          </a:p>
+          <a:p>
+            <a:r>
+              <a:rPr lang="en-US" dirty="0"/>
+              <a:t>As unemployment dropped, so did CalFresh in parallel; except late in 2020, where the two diverged</a:t>
+            </a:r>
+          </a:p>
+          <a:p>
+            <a:endParaRPr lang="en-US" dirty="0"/>
+          </a:p>
+          <a:p>
+            <a:r>
+              <a:rPr lang="en-US" dirty="0"/>
+              <a:t>If we look back at Covid cases, we see there was an inflection point when COVID cases spiked, CalFresh did as well, with a delayed response. </a:t>
+            </a:r>
+          </a:p>
+        </p:txBody>
+      </p:sp>
+      <p:sp>
+        <p:nvSpPr>
+          <p:cNvPr id="4" name="Slide Number Placeholder 3"/>
+          <p:cNvSpPr>
+            <a:spLocks noGrp="1"/>
+          </p:cNvSpPr>
+          <p:nvPr>
+            <p:ph type="sldNum" sz="quarter" idx="5"/>
+          </p:nvPr>
+        </p:nvSpPr>
+        <p:spPr/>
+        <p:txBody>
+          <a:bodyPr/>
+          <a:lstStyle/>
+          <a:p>
+            <a:fld id="{B0FCC8D5-6D68-A443-97C0-91AE5977134B}" type="slidenum">
+              <a:rPr lang="en-US" smtClean="0"/>
+              <a:pPr/>
+              <a:t>10</a:t>
+            </a:fld>
+            <a:endParaRPr lang="en-US" dirty="0"/>
+          </a:p>
+        </p:txBody>
+      </p:sp>
+    </p:spTree>
+    <p:extLst>
+      <p:ext uri="{BB962C8B-B14F-4D97-AF65-F5344CB8AC3E}">
+        <p14:creationId xmlns:p14="http://schemas.microsoft.com/office/powerpoint/2010/main" val="212962704"/>
+      </p:ext>
+    </p:extLst>
+  </p:cSld>
+  <p:clrMapOvr>
+    <a:masterClrMapping/>
+  </p:clrMapOvr>
+</p:notes>
+</file>
+
+<file path=ppt/notesSlides/notesSlide4.xml><?xml version="1.0" encoding="utf-8"?>
+<p:notes xmlns:a="http://schemas.openxmlformats.org/drawingml/2006/main" xmlns:r="http://schemas.openxmlformats.org/officeDocument/2006/relationships" xmlns:p="http://schemas.openxmlformats.org/presentationml/2006/main">
+  <p:cSld>
+    <p:spTree>
+      <p:nvGrpSpPr>
+        <p:cNvPr id="1" name=""/>
+        <p:cNvGrpSpPr/>
+        <p:nvPr/>
+      </p:nvGrpSpPr>
+      <p:grpSpPr>
+        <a:xfrm>
+          <a:off x="0" y="0"/>
+          <a:ext cx="0" cy="0"/>
+          <a:chOff x="0" y="0"/>
+          <a:chExt cx="0" cy="0"/>
+        </a:xfrm>
+      </p:grpSpPr>
+      <p:sp>
+        <p:nvSpPr>
+          <p:cNvPr id="2" name="Slide Image Placeholder 1"/>
+          <p:cNvSpPr>
+            <a:spLocks noGrp="1" noRot="1" noChangeAspect="1"/>
+          </p:cNvSpPr>
+          <p:nvPr>
+            <p:ph type="sldImg"/>
+          </p:nvPr>
+        </p:nvSpPr>
+        <p:spPr/>
+      </p:sp>
+      <p:sp>
+        <p:nvSpPr>
+          <p:cNvPr id="3" name="Notes Placeholder 2"/>
+          <p:cNvSpPr>
+            <a:spLocks noGrp="1"/>
+          </p:cNvSpPr>
+          <p:nvPr>
+            <p:ph type="body" idx="1"/>
+          </p:nvPr>
+        </p:nvSpPr>
+        <p:spPr/>
+        <p:txBody>
+          <a:bodyPr/>
+          <a:lstStyle/>
+          <a:p>
             <a:endParaRPr lang="en-US"/>
           </a:p>
         </p:txBody>
@@ -5881,7 +5997,7 @@
             <a:fld id="{B0FCC8D5-6D68-A443-97C0-91AE5977134B}" type="slidenum">
               <a:rPr lang="en-US" smtClean="0"/>
               <a:pPr/>
-              <a:t>10</a:t>
+              <a:t>11</a:t>
             </a:fld>
             <a:endParaRPr lang="en-US" dirty="0"/>
           </a:p>
@@ -12543,6 +12659,712 @@
       </p:grpSpPr>
       <p:sp>
         <p:nvSpPr>
+          <p:cNvPr id="2" name="Title 1">
+            <a:extLst>
+              <a:ext uri="{FF2B5EF4-FFF2-40B4-BE49-F238E27FC236}">
+                <a16:creationId xmlns:a16="http://schemas.microsoft.com/office/drawing/2014/main" id="{676EB8DB-AA7C-41EC-A1A7-673C1789C8F6}"/>
+              </a:ext>
+            </a:extLst>
+          </p:cNvPr>
+          <p:cNvSpPr>
+            <a:spLocks noGrp="1"/>
+          </p:cNvSpPr>
+          <p:nvPr>
+            <p:ph type="title"/>
+          </p:nvPr>
+        </p:nvSpPr>
+        <p:spPr/>
+        <p:txBody>
+          <a:bodyPr/>
+          <a:lstStyle/>
+          <a:p>
+            <a:pPr algn="l"/>
+            <a:r>
+              <a:rPr lang="en-US" dirty="0">
+                <a:solidFill>
+                  <a:srgbClr val="405F83"/>
+                </a:solidFill>
+              </a:rPr>
+              <a:t>Conclusion</a:t>
+            </a:r>
+          </a:p>
+        </p:txBody>
+      </p:sp>
+      <p:pic>
+        <p:nvPicPr>
+          <p:cNvPr id="25" name="Content Placeholder 24">
+            <a:extLst>
+              <a:ext uri="{FF2B5EF4-FFF2-40B4-BE49-F238E27FC236}">
+                <a16:creationId xmlns:a16="http://schemas.microsoft.com/office/drawing/2014/main" id="{9244EE3C-F2B1-4170-9AC9-5A5F2E3F9ADB}"/>
+              </a:ext>
+            </a:extLst>
+          </p:cNvPr>
+          <p:cNvPicPr>
+            <a:picLocks noGrp="1" noChangeAspect="1"/>
+          </p:cNvPicPr>
+          <p:nvPr>
+            <p:ph sz="quarter" idx="4"/>
+          </p:nvPr>
+        </p:nvPicPr>
+        <p:blipFill>
+          <a:blip r:embed="rId3"/>
+          <a:stretch>
+            <a:fillRect/>
+          </a:stretch>
+        </p:blipFill>
+        <p:spPr>
+          <a:xfrm>
+            <a:off x="6191250" y="2635151"/>
+            <a:ext cx="5387975" cy="3030735"/>
+          </a:xfrm>
+        </p:spPr>
+      </p:pic>
+      <p:sp>
+        <p:nvSpPr>
+          <p:cNvPr id="32" name="Text Placeholder 31">
+            <a:extLst>
+              <a:ext uri="{FF2B5EF4-FFF2-40B4-BE49-F238E27FC236}">
+                <a16:creationId xmlns:a16="http://schemas.microsoft.com/office/drawing/2014/main" id="{A0B46487-9DDD-4170-8DBE-60AC36E0BF06}"/>
+              </a:ext>
+            </a:extLst>
+          </p:cNvPr>
+          <p:cNvSpPr>
+            <a:spLocks noGrp="1"/>
+          </p:cNvSpPr>
+          <p:nvPr>
+            <p:ph type="body" sz="quarter" idx="3"/>
+          </p:nvPr>
+        </p:nvSpPr>
+        <p:spPr/>
+        <p:txBody>
+          <a:bodyPr>
+            <a:normAutofit/>
+          </a:bodyPr>
+          <a:lstStyle/>
+          <a:p>
+            <a:r>
+              <a:rPr lang="en-US" sz="2800" dirty="0"/>
+              <a:t>Policies had immediate affect</a:t>
+            </a:r>
+          </a:p>
+        </p:txBody>
+      </p:sp>
+      <p:sp>
+        <p:nvSpPr>
+          <p:cNvPr id="33" name="Text Placeholder 2">
+            <a:extLst>
+              <a:ext uri="{FF2B5EF4-FFF2-40B4-BE49-F238E27FC236}">
+                <a16:creationId xmlns:a16="http://schemas.microsoft.com/office/drawing/2014/main" id="{74752B95-F18F-40A5-93FC-10FD8AC640DB}"/>
+              </a:ext>
+            </a:extLst>
+          </p:cNvPr>
+          <p:cNvSpPr txBox="1">
+            <a:spLocks/>
+          </p:cNvSpPr>
+          <p:nvPr/>
+        </p:nvSpPr>
+        <p:spPr>
+          <a:xfrm>
+            <a:off x="609440" y="5867400"/>
+            <a:ext cx="10514171" cy="639763"/>
+          </a:xfrm>
+          <a:prstGeom prst="rect">
+            <a:avLst/>
+          </a:prstGeom>
+        </p:spPr>
+        <p:txBody>
+          <a:bodyPr vert="horz" lIns="121899" tIns="60949" rIns="121899" bIns="60949" rtlCol="0" anchor="b">
+            <a:normAutofit/>
+          </a:bodyPr>
+          <a:lstStyle>
+            <a:lvl1pPr marL="0" indent="0" algn="l" defTabSz="1218987" rtl="0" eaLnBrk="1" latinLnBrk="0" hangingPunct="1">
+              <a:lnSpc>
+                <a:spcPct val="85000"/>
+              </a:lnSpc>
+              <a:spcBef>
+                <a:spcPts val="0"/>
+              </a:spcBef>
+              <a:spcAft>
+                <a:spcPts val="600"/>
+              </a:spcAft>
+              <a:buFont typeface="Arial" pitchFamily="34" charset="0"/>
+              <a:buNone/>
+              <a:defRPr sz="3200" b="1" kern="1200">
+                <a:solidFill>
+                  <a:srgbClr val="70A0D7"/>
+                </a:solidFill>
+                <a:latin typeface="Arial"/>
+                <a:ea typeface="+mn-ea"/>
+                <a:cs typeface="Arial"/>
+              </a:defRPr>
+            </a:lvl1pPr>
+            <a:lvl2pPr marL="609493" indent="0" algn="l" defTabSz="1218987" rtl="0" eaLnBrk="1" latinLnBrk="0" hangingPunct="1">
+              <a:lnSpc>
+                <a:spcPct val="85000"/>
+              </a:lnSpc>
+              <a:spcBef>
+                <a:spcPts val="0"/>
+              </a:spcBef>
+              <a:spcAft>
+                <a:spcPts val="600"/>
+              </a:spcAft>
+              <a:buFont typeface="Arial" pitchFamily="34" charset="0"/>
+              <a:buNone/>
+              <a:defRPr sz="2700" b="1" kern="1200">
+                <a:solidFill>
+                  <a:srgbClr val="70A0D7"/>
+                </a:solidFill>
+                <a:latin typeface="Arial"/>
+                <a:ea typeface="+mn-ea"/>
+                <a:cs typeface="Arial"/>
+              </a:defRPr>
+            </a:lvl2pPr>
+            <a:lvl3pPr marL="1218987" indent="0" algn="l" defTabSz="1218987" rtl="0" eaLnBrk="1" latinLnBrk="0" hangingPunct="1">
+              <a:lnSpc>
+                <a:spcPct val="85000"/>
+              </a:lnSpc>
+              <a:spcBef>
+                <a:spcPts val="0"/>
+              </a:spcBef>
+              <a:spcAft>
+                <a:spcPts val="600"/>
+              </a:spcAft>
+              <a:buFont typeface="Arial" pitchFamily="34" charset="0"/>
+              <a:buNone/>
+              <a:defRPr sz="2400" b="1" kern="1200">
+                <a:solidFill>
+                  <a:srgbClr val="70A0D7"/>
+                </a:solidFill>
+                <a:latin typeface="Arial"/>
+                <a:ea typeface="+mn-ea"/>
+                <a:cs typeface="Arial"/>
+              </a:defRPr>
+            </a:lvl3pPr>
+            <a:lvl4pPr marL="1828480" indent="0" algn="l" defTabSz="1218987" rtl="0" eaLnBrk="1" latinLnBrk="0" hangingPunct="1">
+              <a:lnSpc>
+                <a:spcPct val="85000"/>
+              </a:lnSpc>
+              <a:spcBef>
+                <a:spcPts val="0"/>
+              </a:spcBef>
+              <a:spcAft>
+                <a:spcPts val="600"/>
+              </a:spcAft>
+              <a:buFont typeface="Arial" pitchFamily="34" charset="0"/>
+              <a:buNone/>
+              <a:defRPr sz="2100" b="1" kern="1200">
+                <a:solidFill>
+                  <a:srgbClr val="70A0D7"/>
+                </a:solidFill>
+                <a:latin typeface="Arial"/>
+                <a:ea typeface="+mn-ea"/>
+                <a:cs typeface="Arial"/>
+              </a:defRPr>
+            </a:lvl4pPr>
+            <a:lvl5pPr marL="2437973" indent="0" algn="l" defTabSz="1218987" rtl="0" eaLnBrk="1" latinLnBrk="0" hangingPunct="1">
+              <a:lnSpc>
+                <a:spcPct val="85000"/>
+              </a:lnSpc>
+              <a:spcBef>
+                <a:spcPts val="0"/>
+              </a:spcBef>
+              <a:spcAft>
+                <a:spcPts val="600"/>
+              </a:spcAft>
+              <a:buFont typeface="Arial" pitchFamily="34" charset="0"/>
+              <a:buNone/>
+              <a:defRPr sz="2100" b="1" kern="1200">
+                <a:solidFill>
+                  <a:srgbClr val="70A0D7"/>
+                </a:solidFill>
+                <a:latin typeface="Arial"/>
+                <a:ea typeface="+mn-ea"/>
+                <a:cs typeface="Arial"/>
+              </a:defRPr>
+            </a:lvl5pPr>
+            <a:lvl6pPr marL="3047467" indent="0" algn="l" defTabSz="1218987" rtl="0" eaLnBrk="1" latinLnBrk="0" hangingPunct="1">
+              <a:spcBef>
+                <a:spcPct val="20000"/>
+              </a:spcBef>
+              <a:buFont typeface="Arial" pitchFamily="34" charset="0"/>
+              <a:buNone/>
+              <a:defRPr sz="2100" b="1" kern="1200">
+                <a:solidFill>
+                  <a:schemeClr val="tx1"/>
+                </a:solidFill>
+                <a:latin typeface="+mn-lt"/>
+                <a:ea typeface="+mn-ea"/>
+                <a:cs typeface="+mn-cs"/>
+              </a:defRPr>
+            </a:lvl6pPr>
+            <a:lvl7pPr marL="3656960" indent="0" algn="l" defTabSz="1218987" rtl="0" eaLnBrk="1" latinLnBrk="0" hangingPunct="1">
+              <a:spcBef>
+                <a:spcPct val="20000"/>
+              </a:spcBef>
+              <a:buFont typeface="Arial" pitchFamily="34" charset="0"/>
+              <a:buNone/>
+              <a:defRPr sz="2100" b="1" kern="1200">
+                <a:solidFill>
+                  <a:schemeClr val="tx1"/>
+                </a:solidFill>
+                <a:latin typeface="+mn-lt"/>
+                <a:ea typeface="+mn-ea"/>
+                <a:cs typeface="+mn-cs"/>
+              </a:defRPr>
+            </a:lvl7pPr>
+            <a:lvl8pPr marL="4266453" indent="0" algn="l" defTabSz="1218987" rtl="0" eaLnBrk="1" latinLnBrk="0" hangingPunct="1">
+              <a:spcBef>
+                <a:spcPct val="20000"/>
+              </a:spcBef>
+              <a:buFont typeface="Arial" pitchFamily="34" charset="0"/>
+              <a:buNone/>
+              <a:defRPr sz="2100" b="1" kern="1200">
+                <a:solidFill>
+                  <a:schemeClr val="tx1"/>
+                </a:solidFill>
+                <a:latin typeface="+mn-lt"/>
+                <a:ea typeface="+mn-ea"/>
+                <a:cs typeface="+mn-cs"/>
+              </a:defRPr>
+            </a:lvl8pPr>
+            <a:lvl9pPr marL="4875947" indent="0" algn="l" defTabSz="1218987" rtl="0" eaLnBrk="1" latinLnBrk="0" hangingPunct="1">
+              <a:spcBef>
+                <a:spcPct val="20000"/>
+              </a:spcBef>
+              <a:buFont typeface="Arial" pitchFamily="34" charset="0"/>
+              <a:buNone/>
+              <a:defRPr sz="2100" b="1" kern="1200">
+                <a:solidFill>
+                  <a:schemeClr val="tx1"/>
+                </a:solidFill>
+                <a:latin typeface="+mn-lt"/>
+                <a:ea typeface="+mn-ea"/>
+                <a:cs typeface="+mn-cs"/>
+              </a:defRPr>
+            </a:lvl9pPr>
+          </a:lstStyle>
+          <a:p>
+            <a:r>
+              <a:rPr lang="en-US" sz="2800" dirty="0">
+                <a:solidFill>
+                  <a:srgbClr val="C00000"/>
+                </a:solidFill>
+              </a:rPr>
+              <a:t>Inflection point for CalFresh enrollment</a:t>
+            </a:r>
+          </a:p>
+        </p:txBody>
+      </p:sp>
+      <p:sp>
+        <p:nvSpPr>
+          <p:cNvPr id="4" name="TextBox 3">
+            <a:extLst>
+              <a:ext uri="{FF2B5EF4-FFF2-40B4-BE49-F238E27FC236}">
+                <a16:creationId xmlns:a16="http://schemas.microsoft.com/office/drawing/2014/main" id="{56975E2B-BE0E-432E-9D29-4C91FC032315}"/>
+              </a:ext>
+            </a:extLst>
+          </p:cNvPr>
+          <p:cNvSpPr txBox="1"/>
+          <p:nvPr/>
+        </p:nvSpPr>
+        <p:spPr>
+          <a:xfrm>
+            <a:off x="6191250" y="1716626"/>
+            <a:ext cx="5562600" cy="4297680"/>
+          </a:xfrm>
+          <a:prstGeom prst="rect">
+            <a:avLst/>
+          </a:prstGeom>
+          <a:solidFill>
+            <a:schemeClr val="bg1"/>
+          </a:solidFill>
+        </p:spPr>
+        <p:txBody>
+          <a:bodyPr wrap="square" rtlCol="0" anchor="ctr">
+            <a:spAutoFit/>
+          </a:bodyPr>
+          <a:lstStyle/>
+          <a:p>
+            <a:pPr algn="ctr"/>
+            <a:r>
+              <a:rPr lang="en-US" sz="3600" i="1" dirty="0">
+                <a:solidFill>
+                  <a:schemeClr val="tx2"/>
+                </a:solidFill>
+              </a:rPr>
+              <a:t>COVID-19 cases did affect </a:t>
+            </a:r>
+            <a:br>
+              <a:rPr lang="en-US" sz="3600" i="1" dirty="0">
+                <a:solidFill>
+                  <a:schemeClr val="tx2"/>
+                </a:solidFill>
+              </a:rPr>
+            </a:br>
+            <a:r>
+              <a:rPr lang="en-US" sz="3600" i="1" dirty="0">
+                <a:solidFill>
+                  <a:schemeClr val="tx2"/>
+                </a:solidFill>
+              </a:rPr>
+              <a:t>CalFresh aid, but not until </a:t>
+            </a:r>
+            <a:br>
+              <a:rPr lang="en-US" sz="3600" i="1" dirty="0">
+                <a:solidFill>
+                  <a:schemeClr val="tx2"/>
+                </a:solidFill>
+              </a:rPr>
+            </a:br>
+            <a:r>
+              <a:rPr lang="en-US" sz="3600" i="1" dirty="0">
+                <a:solidFill>
+                  <a:schemeClr val="tx2"/>
+                </a:solidFill>
+              </a:rPr>
+              <a:t>the second-wave spike in </a:t>
+            </a:r>
+            <a:br>
+              <a:rPr lang="en-US" sz="3600" i="1" dirty="0">
+                <a:solidFill>
+                  <a:schemeClr val="tx2"/>
+                </a:solidFill>
+              </a:rPr>
+            </a:br>
+            <a:r>
+              <a:rPr lang="en-US" sz="3600" i="1" dirty="0">
+                <a:solidFill>
+                  <a:schemeClr val="tx2"/>
+                </a:solidFill>
+              </a:rPr>
+              <a:t>the Fall of 2020. </a:t>
+            </a:r>
+          </a:p>
+        </p:txBody>
+      </p:sp>
+      <p:pic>
+        <p:nvPicPr>
+          <p:cNvPr id="15" name="Content Placeholder 18">
+            <a:extLst>
+              <a:ext uri="{FF2B5EF4-FFF2-40B4-BE49-F238E27FC236}">
+                <a16:creationId xmlns:a16="http://schemas.microsoft.com/office/drawing/2014/main" id="{74365E75-0BAE-45DC-A4EB-BFCC982D19B2}"/>
+              </a:ext>
+            </a:extLst>
+          </p:cNvPr>
+          <p:cNvPicPr>
+            <a:picLocks noGrp="1" noChangeAspect="1"/>
+          </p:cNvPicPr>
+          <p:nvPr>
+            <p:ph sz="half" idx="2"/>
+          </p:nvPr>
+        </p:nvPicPr>
+        <p:blipFill>
+          <a:blip r:embed="rId4"/>
+          <a:stretch>
+            <a:fillRect/>
+          </a:stretch>
+        </p:blipFill>
+        <p:spPr>
+          <a:xfrm>
+            <a:off x="609600" y="2636044"/>
+            <a:ext cx="5384800" cy="3028949"/>
+          </a:xfrm>
+        </p:spPr>
+      </p:pic>
+      <p:sp>
+        <p:nvSpPr>
+          <p:cNvPr id="16" name="Arrow: Right 15">
+            <a:extLst>
+              <a:ext uri="{FF2B5EF4-FFF2-40B4-BE49-F238E27FC236}">
+                <a16:creationId xmlns:a16="http://schemas.microsoft.com/office/drawing/2014/main" id="{61564142-2C8F-4C9D-A6C2-57582C331254}"/>
+              </a:ext>
+            </a:extLst>
+          </p:cNvPr>
+          <p:cNvSpPr/>
+          <p:nvPr/>
+        </p:nvSpPr>
+        <p:spPr>
+          <a:xfrm rot="19995658">
+            <a:off x="4098278" y="3830636"/>
+            <a:ext cx="457200" cy="381000"/>
+          </a:xfrm>
+          <a:prstGeom prst="rightArrow">
+            <a:avLst/>
+          </a:prstGeom>
+          <a:solidFill>
+            <a:srgbClr val="FFC000"/>
+          </a:solidFill>
+          <a:ln w="6350"/>
+        </p:spPr>
+        <p:style>
+          <a:lnRef idx="2">
+            <a:schemeClr val="accent1">
+              <a:shade val="50000"/>
+            </a:schemeClr>
+          </a:lnRef>
+          <a:fillRef idx="1">
+            <a:schemeClr val="accent1"/>
+          </a:fillRef>
+          <a:effectRef idx="0">
+            <a:schemeClr val="accent1"/>
+          </a:effectRef>
+          <a:fontRef idx="minor">
+            <a:schemeClr val="lt1"/>
+          </a:fontRef>
+        </p:style>
+        <p:txBody>
+          <a:bodyPr rtlCol="0" anchor="ctr"/>
+          <a:lstStyle/>
+          <a:p>
+            <a:pPr algn="ctr"/>
+            <a:endParaRPr lang="en-US"/>
+          </a:p>
+        </p:txBody>
+      </p:sp>
+    </p:spTree>
+    <p:extLst>
+      <p:ext uri="{BB962C8B-B14F-4D97-AF65-F5344CB8AC3E}">
+        <p14:creationId xmlns:p14="http://schemas.microsoft.com/office/powerpoint/2010/main" val="4172165192"/>
+      </p:ext>
+    </p:extLst>
+  </p:cSld>
+  <p:clrMapOvr>
+    <a:masterClrMapping/>
+  </p:clrMapOvr>
+  <p:timing>
+    <p:tnLst>
+      <p:par>
+        <p:cTn id="1" dur="indefinite" restart="never" nodeType="tmRoot">
+          <p:childTnLst>
+            <p:seq concurrent="1" nextAc="seek">
+              <p:cTn id="2" dur="indefinite" nodeType="mainSeq">
+                <p:childTnLst>
+                  <p:par>
+                    <p:cTn id="3" fill="hold">
+                      <p:stCondLst>
+                        <p:cond delay="indefinite"/>
+                      </p:stCondLst>
+                      <p:childTnLst>
+                        <p:par>
+                          <p:cTn id="4" fill="hold">
+                            <p:stCondLst>
+                              <p:cond delay="0"/>
+                            </p:stCondLst>
+                            <p:childTnLst>
+                              <p:par>
+                                <p:cTn id="5" presetID="1" presetClass="entr" presetSubtype="0" fill="hold" grpId="0" nodeType="clickEffect">
+                                  <p:stCondLst>
+                                    <p:cond delay="0"/>
+                                  </p:stCondLst>
+                                  <p:childTnLst>
+                                    <p:set>
+                                      <p:cBhvr>
+                                        <p:cTn id="6" dur="1" fill="hold">
+                                          <p:stCondLst>
+                                            <p:cond delay="0"/>
+                                          </p:stCondLst>
+                                        </p:cTn>
+                                        <p:tgtEl>
+                                          <p:spTgt spid="33"/>
+                                        </p:tgtEl>
+                                        <p:attrNameLst>
+                                          <p:attrName>style.visibility</p:attrName>
+                                        </p:attrNameLst>
+                                      </p:cBhvr>
+                                      <p:to>
+                                        <p:strVal val="visible"/>
+                                      </p:to>
+                                    </p:set>
+                                  </p:childTnLst>
+                                </p:cTn>
+                              </p:par>
+                              <p:par>
+                                <p:cTn id="7" presetID="10" presetClass="entr" presetSubtype="0" fill="hold" nodeType="withEffect">
+                                  <p:stCondLst>
+                                    <p:cond delay="0"/>
+                                  </p:stCondLst>
+                                  <p:childTnLst>
+                                    <p:set>
+                                      <p:cBhvr>
+                                        <p:cTn id="8" dur="1" fill="hold">
+                                          <p:stCondLst>
+                                            <p:cond delay="0"/>
+                                          </p:stCondLst>
+                                        </p:cTn>
+                                        <p:tgtEl>
+                                          <p:spTgt spid="15"/>
+                                        </p:tgtEl>
+                                        <p:attrNameLst>
+                                          <p:attrName>style.visibility</p:attrName>
+                                        </p:attrNameLst>
+                                      </p:cBhvr>
+                                      <p:to>
+                                        <p:strVal val="visible"/>
+                                      </p:to>
+                                    </p:set>
+                                    <p:animEffect transition="in" filter="fade">
+                                      <p:cBhvr>
+                                        <p:cTn id="9" dur="500"/>
+                                        <p:tgtEl>
+                                          <p:spTgt spid="15"/>
+                                        </p:tgtEl>
+                                      </p:cBhvr>
+                                    </p:animEffect>
+                                  </p:childTnLst>
+                                </p:cTn>
+                              </p:par>
+                            </p:childTnLst>
+                          </p:cTn>
+                        </p:par>
+                        <p:par>
+                          <p:cTn id="10" fill="hold">
+                            <p:stCondLst>
+                              <p:cond delay="500"/>
+                            </p:stCondLst>
+                            <p:childTnLst>
+                              <p:par>
+                                <p:cTn id="11" presetID="10" presetClass="entr" presetSubtype="0" fill="hold" grpId="0" nodeType="afterEffect">
+                                  <p:stCondLst>
+                                    <p:cond delay="1500"/>
+                                  </p:stCondLst>
+                                  <p:childTnLst>
+                                    <p:set>
+                                      <p:cBhvr>
+                                        <p:cTn id="12" dur="1" fill="hold">
+                                          <p:stCondLst>
+                                            <p:cond delay="0"/>
+                                          </p:stCondLst>
+                                        </p:cTn>
+                                        <p:tgtEl>
+                                          <p:spTgt spid="16"/>
+                                        </p:tgtEl>
+                                        <p:attrNameLst>
+                                          <p:attrName>style.visibility</p:attrName>
+                                        </p:attrNameLst>
+                                      </p:cBhvr>
+                                      <p:to>
+                                        <p:strVal val="visible"/>
+                                      </p:to>
+                                    </p:set>
+                                    <p:animEffect transition="in" filter="fade">
+                                      <p:cBhvr>
+                                        <p:cTn id="13" dur="500"/>
+                                        <p:tgtEl>
+                                          <p:spTgt spid="16"/>
+                                        </p:tgtEl>
+                                      </p:cBhvr>
+                                    </p:animEffect>
+                                  </p:childTnLst>
+                                </p:cTn>
+                              </p:par>
+                            </p:childTnLst>
+                          </p:cTn>
+                        </p:par>
+                      </p:childTnLst>
+                    </p:cTn>
+                  </p:par>
+                  <p:par>
+                    <p:cTn id="14" fill="hold">
+                      <p:stCondLst>
+                        <p:cond delay="indefinite"/>
+                      </p:stCondLst>
+                      <p:childTnLst>
+                        <p:par>
+                          <p:cTn id="15" fill="hold">
+                            <p:stCondLst>
+                              <p:cond delay="0"/>
+                            </p:stCondLst>
+                            <p:childTnLst>
+                              <p:par>
+                                <p:cTn id="16" presetID="10" presetClass="entr" presetSubtype="0" fill="hold" grpId="0" nodeType="clickEffect">
+                                  <p:stCondLst>
+                                    <p:cond delay="0"/>
+                                  </p:stCondLst>
+                                  <p:childTnLst>
+                                    <p:set>
+                                      <p:cBhvr>
+                                        <p:cTn id="17" dur="1" fill="hold">
+                                          <p:stCondLst>
+                                            <p:cond delay="0"/>
+                                          </p:stCondLst>
+                                        </p:cTn>
+                                        <p:tgtEl>
+                                          <p:spTgt spid="4"/>
+                                        </p:tgtEl>
+                                        <p:attrNameLst>
+                                          <p:attrName>style.visibility</p:attrName>
+                                        </p:attrNameLst>
+                                      </p:cBhvr>
+                                      <p:to>
+                                        <p:strVal val="visible"/>
+                                      </p:to>
+                                    </p:set>
+                                    <p:animEffect transition="in" filter="fade">
+                                      <p:cBhvr>
+                                        <p:cTn id="18" dur="500"/>
+                                        <p:tgtEl>
+                                          <p:spTgt spid="4"/>
+                                        </p:tgtEl>
+                                      </p:cBhvr>
+                                    </p:animEffect>
+                                  </p:childTnLst>
+                                </p:cTn>
+                              </p:par>
+                            </p:childTnLst>
+                          </p:cTn>
+                        </p:par>
+                      </p:childTnLst>
+                    </p:cTn>
+                  </p:par>
+                </p:childTnLst>
+              </p:cTn>
+              <p:prevCondLst>
+                <p:cond evt="onPrev" delay="0">
+                  <p:tgtEl>
+                    <p:sldTgt/>
+                  </p:tgtEl>
+                </p:cond>
+              </p:prevCondLst>
+              <p:nextCondLst>
+                <p:cond evt="onNext" delay="0">
+                  <p:tgtEl>
+                    <p:sldTgt/>
+                  </p:tgtEl>
+                </p:cond>
+              </p:nextCondLst>
+            </p:seq>
+          </p:childTnLst>
+        </p:cTn>
+      </p:par>
+    </p:tnLst>
+    <p:bldLst>
+      <p:bldP spid="33" grpId="0"/>
+      <p:bldP spid="4" grpId="0"/>
+      <p:bldP spid="16" grpId="0" animBg="1"/>
+    </p:bldLst>
+  </p:timing>
+</p:sld>
+</file>
+
+<file path=ppt/slides/slide11.xml><?xml version="1.0" encoding="utf-8"?>
+<p:sld xmlns:a="http://schemas.openxmlformats.org/drawingml/2006/main" xmlns:r="http://schemas.openxmlformats.org/officeDocument/2006/relationships" xmlns:p="http://schemas.openxmlformats.org/presentationml/2006/main">
+  <p:cSld>
+    <p:spTree>
+      <p:nvGrpSpPr>
+        <p:cNvPr id="1" name=""/>
+        <p:cNvGrpSpPr/>
+        <p:nvPr/>
+      </p:nvGrpSpPr>
+      <p:grpSpPr>
+        <a:xfrm>
+          <a:off x="0" y="0"/>
+          <a:ext cx="0" cy="0"/>
+          <a:chOff x="0" y="0"/>
+          <a:chExt cx="0" cy="0"/>
+        </a:xfrm>
+      </p:grpSpPr>
+      <p:sp>
+        <p:nvSpPr>
           <p:cNvPr id="3" name="Text Placeholder 2">
             <a:extLst>
               <a:ext uri="{FF2B5EF4-FFF2-40B4-BE49-F238E27FC236}">
@@ -17013,351 +17835,6 @@
           </a:xfrm>
         </p:spPr>
       </p:pic>
-      <p:pic>
-        <p:nvPicPr>
-          <p:cNvPr id="25" name="Content Placeholder 24">
-            <a:extLst>
-              <a:ext uri="{FF2B5EF4-FFF2-40B4-BE49-F238E27FC236}">
-                <a16:creationId xmlns:a16="http://schemas.microsoft.com/office/drawing/2014/main" id="{9244EE3C-F2B1-4170-9AC9-5A5F2E3F9ADB}"/>
-              </a:ext>
-            </a:extLst>
-          </p:cNvPr>
-          <p:cNvPicPr>
-            <a:picLocks noGrp="1" noChangeAspect="1"/>
-          </p:cNvPicPr>
-          <p:nvPr>
-            <p:ph sz="quarter" idx="4"/>
-          </p:nvPr>
-        </p:nvPicPr>
-        <p:blipFill>
-          <a:blip r:embed="rId4"/>
-          <a:stretch>
-            <a:fillRect/>
-          </a:stretch>
-        </p:blipFill>
-        <p:spPr>
-          <a:xfrm>
-            <a:off x="6191250" y="2635151"/>
-            <a:ext cx="5387975" cy="3030735"/>
-          </a:xfrm>
-        </p:spPr>
-      </p:pic>
-      <p:sp>
-        <p:nvSpPr>
-          <p:cNvPr id="32" name="Text Placeholder 31">
-            <a:extLst>
-              <a:ext uri="{FF2B5EF4-FFF2-40B4-BE49-F238E27FC236}">
-                <a16:creationId xmlns:a16="http://schemas.microsoft.com/office/drawing/2014/main" id="{A0B46487-9DDD-4170-8DBE-60AC36E0BF06}"/>
-              </a:ext>
-            </a:extLst>
-          </p:cNvPr>
-          <p:cNvSpPr>
-            <a:spLocks noGrp="1"/>
-          </p:cNvSpPr>
-          <p:nvPr>
-            <p:ph type="body" sz="quarter" idx="3"/>
-          </p:nvPr>
-        </p:nvSpPr>
-        <p:spPr/>
-        <p:txBody>
-          <a:bodyPr>
-            <a:normAutofit/>
-          </a:bodyPr>
-          <a:lstStyle/>
-          <a:p>
-            <a:r>
-              <a:rPr lang="en-US" sz="2800" dirty="0"/>
-              <a:t>Policies had immediate affect</a:t>
-            </a:r>
-          </a:p>
-        </p:txBody>
-      </p:sp>
-      <p:sp>
-        <p:nvSpPr>
-          <p:cNvPr id="33" name="Text Placeholder 2">
-            <a:extLst>
-              <a:ext uri="{FF2B5EF4-FFF2-40B4-BE49-F238E27FC236}">
-                <a16:creationId xmlns:a16="http://schemas.microsoft.com/office/drawing/2014/main" id="{74752B95-F18F-40A5-93FC-10FD8AC640DB}"/>
-              </a:ext>
-            </a:extLst>
-          </p:cNvPr>
-          <p:cNvSpPr txBox="1">
-            <a:spLocks/>
-          </p:cNvSpPr>
-          <p:nvPr/>
-        </p:nvSpPr>
-        <p:spPr>
-          <a:xfrm>
-            <a:off x="609440" y="5867400"/>
-            <a:ext cx="10514171" cy="639763"/>
-          </a:xfrm>
-          <a:prstGeom prst="rect">
-            <a:avLst/>
-          </a:prstGeom>
-        </p:spPr>
-        <p:txBody>
-          <a:bodyPr vert="horz" lIns="121899" tIns="60949" rIns="121899" bIns="60949" rtlCol="0" anchor="b">
-            <a:normAutofit/>
-          </a:bodyPr>
-          <a:lstStyle>
-            <a:lvl1pPr marL="0" indent="0" algn="l" defTabSz="1218987" rtl="0" eaLnBrk="1" latinLnBrk="0" hangingPunct="1">
-              <a:lnSpc>
-                <a:spcPct val="85000"/>
-              </a:lnSpc>
-              <a:spcBef>
-                <a:spcPts val="0"/>
-              </a:spcBef>
-              <a:spcAft>
-                <a:spcPts val="600"/>
-              </a:spcAft>
-              <a:buFont typeface="Arial" pitchFamily="34" charset="0"/>
-              <a:buNone/>
-              <a:defRPr sz="3200" b="1" kern="1200">
-                <a:solidFill>
-                  <a:srgbClr val="70A0D7"/>
-                </a:solidFill>
-                <a:latin typeface="Arial"/>
-                <a:ea typeface="+mn-ea"/>
-                <a:cs typeface="Arial"/>
-              </a:defRPr>
-            </a:lvl1pPr>
-            <a:lvl2pPr marL="609493" indent="0" algn="l" defTabSz="1218987" rtl="0" eaLnBrk="1" latinLnBrk="0" hangingPunct="1">
-              <a:lnSpc>
-                <a:spcPct val="85000"/>
-              </a:lnSpc>
-              <a:spcBef>
-                <a:spcPts val="0"/>
-              </a:spcBef>
-              <a:spcAft>
-                <a:spcPts val="600"/>
-              </a:spcAft>
-              <a:buFont typeface="Arial" pitchFamily="34" charset="0"/>
-              <a:buNone/>
-              <a:defRPr sz="2700" b="1" kern="1200">
-                <a:solidFill>
-                  <a:srgbClr val="70A0D7"/>
-                </a:solidFill>
-                <a:latin typeface="Arial"/>
-                <a:ea typeface="+mn-ea"/>
-                <a:cs typeface="Arial"/>
-              </a:defRPr>
-            </a:lvl2pPr>
-            <a:lvl3pPr marL="1218987" indent="0" algn="l" defTabSz="1218987" rtl="0" eaLnBrk="1" latinLnBrk="0" hangingPunct="1">
-              <a:lnSpc>
-                <a:spcPct val="85000"/>
-              </a:lnSpc>
-              <a:spcBef>
-                <a:spcPts val="0"/>
-              </a:spcBef>
-              <a:spcAft>
-                <a:spcPts val="600"/>
-              </a:spcAft>
-              <a:buFont typeface="Arial" pitchFamily="34" charset="0"/>
-              <a:buNone/>
-              <a:defRPr sz="2400" b="1" kern="1200">
-                <a:solidFill>
-                  <a:srgbClr val="70A0D7"/>
-                </a:solidFill>
-                <a:latin typeface="Arial"/>
-                <a:ea typeface="+mn-ea"/>
-                <a:cs typeface="Arial"/>
-              </a:defRPr>
-            </a:lvl3pPr>
-            <a:lvl4pPr marL="1828480" indent="0" algn="l" defTabSz="1218987" rtl="0" eaLnBrk="1" latinLnBrk="0" hangingPunct="1">
-              <a:lnSpc>
-                <a:spcPct val="85000"/>
-              </a:lnSpc>
-              <a:spcBef>
-                <a:spcPts val="0"/>
-              </a:spcBef>
-              <a:spcAft>
-                <a:spcPts val="600"/>
-              </a:spcAft>
-              <a:buFont typeface="Arial" pitchFamily="34" charset="0"/>
-              <a:buNone/>
-              <a:defRPr sz="2100" b="1" kern="1200">
-                <a:solidFill>
-                  <a:srgbClr val="70A0D7"/>
-                </a:solidFill>
-                <a:latin typeface="Arial"/>
-                <a:ea typeface="+mn-ea"/>
-                <a:cs typeface="Arial"/>
-              </a:defRPr>
-            </a:lvl4pPr>
-            <a:lvl5pPr marL="2437973" indent="0" algn="l" defTabSz="1218987" rtl="0" eaLnBrk="1" latinLnBrk="0" hangingPunct="1">
-              <a:lnSpc>
-                <a:spcPct val="85000"/>
-              </a:lnSpc>
-              <a:spcBef>
-                <a:spcPts val="0"/>
-              </a:spcBef>
-              <a:spcAft>
-                <a:spcPts val="600"/>
-              </a:spcAft>
-              <a:buFont typeface="Arial" pitchFamily="34" charset="0"/>
-              <a:buNone/>
-              <a:defRPr sz="2100" b="1" kern="1200">
-                <a:solidFill>
-                  <a:srgbClr val="70A0D7"/>
-                </a:solidFill>
-                <a:latin typeface="Arial"/>
-                <a:ea typeface="+mn-ea"/>
-                <a:cs typeface="Arial"/>
-              </a:defRPr>
-            </a:lvl5pPr>
-            <a:lvl6pPr marL="3047467" indent="0" algn="l" defTabSz="1218987" rtl="0" eaLnBrk="1" latinLnBrk="0" hangingPunct="1">
-              <a:spcBef>
-                <a:spcPct val="20000"/>
-              </a:spcBef>
-              <a:buFont typeface="Arial" pitchFamily="34" charset="0"/>
-              <a:buNone/>
-              <a:defRPr sz="2100" b="1" kern="1200">
-                <a:solidFill>
-                  <a:schemeClr val="tx1"/>
-                </a:solidFill>
-                <a:latin typeface="+mn-lt"/>
-                <a:ea typeface="+mn-ea"/>
-                <a:cs typeface="+mn-cs"/>
-              </a:defRPr>
-            </a:lvl6pPr>
-            <a:lvl7pPr marL="3656960" indent="0" algn="l" defTabSz="1218987" rtl="0" eaLnBrk="1" latinLnBrk="0" hangingPunct="1">
-              <a:spcBef>
-                <a:spcPct val="20000"/>
-              </a:spcBef>
-              <a:buFont typeface="Arial" pitchFamily="34" charset="0"/>
-              <a:buNone/>
-              <a:defRPr sz="2100" b="1" kern="1200">
-                <a:solidFill>
-                  <a:schemeClr val="tx1"/>
-                </a:solidFill>
-                <a:latin typeface="+mn-lt"/>
-                <a:ea typeface="+mn-ea"/>
-                <a:cs typeface="+mn-cs"/>
-              </a:defRPr>
-            </a:lvl7pPr>
-            <a:lvl8pPr marL="4266453" indent="0" algn="l" defTabSz="1218987" rtl="0" eaLnBrk="1" latinLnBrk="0" hangingPunct="1">
-              <a:spcBef>
-                <a:spcPct val="20000"/>
-              </a:spcBef>
-              <a:buFont typeface="Arial" pitchFamily="34" charset="0"/>
-              <a:buNone/>
-              <a:defRPr sz="2100" b="1" kern="1200">
-                <a:solidFill>
-                  <a:schemeClr val="tx1"/>
-                </a:solidFill>
-                <a:latin typeface="+mn-lt"/>
-                <a:ea typeface="+mn-ea"/>
-                <a:cs typeface="+mn-cs"/>
-              </a:defRPr>
-            </a:lvl8pPr>
-            <a:lvl9pPr marL="4875947" indent="0" algn="l" defTabSz="1218987" rtl="0" eaLnBrk="1" latinLnBrk="0" hangingPunct="1">
-              <a:spcBef>
-                <a:spcPct val="20000"/>
-              </a:spcBef>
-              <a:buFont typeface="Arial" pitchFamily="34" charset="0"/>
-              <a:buNone/>
-              <a:defRPr sz="2100" b="1" kern="1200">
-                <a:solidFill>
-                  <a:schemeClr val="tx1"/>
-                </a:solidFill>
-                <a:latin typeface="+mn-lt"/>
-                <a:ea typeface="+mn-ea"/>
-                <a:cs typeface="+mn-cs"/>
-              </a:defRPr>
-            </a:lvl9pPr>
-          </a:lstStyle>
-          <a:p>
-            <a:r>
-              <a:rPr lang="en-US" sz="2800" dirty="0">
-                <a:solidFill>
-                  <a:srgbClr val="C00000"/>
-                </a:solidFill>
-              </a:rPr>
-              <a:t>Inflection point for CalFresh enrollment</a:t>
-            </a:r>
-          </a:p>
-        </p:txBody>
-      </p:sp>
-      <p:pic>
-        <p:nvPicPr>
-          <p:cNvPr id="34" name="Content Placeholder 18">
-            <a:extLst>
-              <a:ext uri="{FF2B5EF4-FFF2-40B4-BE49-F238E27FC236}">
-                <a16:creationId xmlns:a16="http://schemas.microsoft.com/office/drawing/2014/main" id="{534AAD97-43AE-4C88-AADC-6BD71EFF8A43}"/>
-              </a:ext>
-            </a:extLst>
-          </p:cNvPr>
-          <p:cNvPicPr>
-            <a:picLocks noChangeAspect="1"/>
-          </p:cNvPicPr>
-          <p:nvPr/>
-        </p:nvPicPr>
-        <p:blipFill>
-          <a:blip r:embed="rId3"/>
-          <a:stretch>
-            <a:fillRect/>
-          </a:stretch>
-        </p:blipFill>
-        <p:spPr>
-          <a:xfrm>
-            <a:off x="612648" y="2633472"/>
-            <a:ext cx="5384800" cy="3028949"/>
-          </a:xfrm>
-          <a:prstGeom prst="rect">
-            <a:avLst/>
-          </a:prstGeom>
-        </p:spPr>
-      </p:pic>
-      <p:sp>
-        <p:nvSpPr>
-          <p:cNvPr id="35" name="Arrow: Right 34">
-            <a:extLst>
-              <a:ext uri="{FF2B5EF4-FFF2-40B4-BE49-F238E27FC236}">
-                <a16:creationId xmlns:a16="http://schemas.microsoft.com/office/drawing/2014/main" id="{0A6120A1-F5A4-4B05-AA1C-DED814B2B595}"/>
-              </a:ext>
-            </a:extLst>
-          </p:cNvPr>
-          <p:cNvSpPr/>
-          <p:nvPr/>
-        </p:nvSpPr>
-        <p:spPr>
-          <a:xfrm rot="19995658">
-            <a:off x="4098278" y="3830636"/>
-            <a:ext cx="457200" cy="381000"/>
-          </a:xfrm>
-          <a:prstGeom prst="rightArrow">
-            <a:avLst/>
-          </a:prstGeom>
-          <a:solidFill>
-            <a:srgbClr val="FFC000"/>
-          </a:solidFill>
-          <a:ln w="6350"/>
-        </p:spPr>
-        <p:style>
-          <a:lnRef idx="2">
-            <a:schemeClr val="accent1">
-              <a:shade val="50000"/>
-            </a:schemeClr>
-          </a:lnRef>
-          <a:fillRef idx="1">
-            <a:schemeClr val="accent1"/>
-          </a:fillRef>
-          <a:effectRef idx="0">
-            <a:schemeClr val="accent1"/>
-          </a:effectRef>
-          <a:fontRef idx="minor">
-            <a:schemeClr val="lt1"/>
-          </a:fontRef>
-        </p:style>
-        <p:txBody>
-          <a:bodyPr rtlCol="0" anchor="ctr"/>
-          <a:lstStyle/>
-          <a:p>
-            <a:pPr algn="ctr"/>
-            <a:endParaRPr lang="en-US"/>
-          </a:p>
-        </p:txBody>
-      </p:sp>
       <p:sp>
         <p:nvSpPr>
           <p:cNvPr id="36" name="TextBox 35">
@@ -17403,90 +17880,6 @@
               <a:latin typeface="Arial" panose="020B0604020202020204" pitchFamily="34" charset="0"/>
               <a:cs typeface="Arial" panose="020B0604020202020204" pitchFamily="34" charset="0"/>
             </a:endParaRPr>
-          </a:p>
-        </p:txBody>
-      </p:sp>
-      <p:sp>
-        <p:nvSpPr>
-          <p:cNvPr id="4" name="TextBox 3">
-            <a:extLst>
-              <a:ext uri="{FF2B5EF4-FFF2-40B4-BE49-F238E27FC236}">
-                <a16:creationId xmlns:a16="http://schemas.microsoft.com/office/drawing/2014/main" id="{56975E2B-BE0E-432E-9D29-4C91FC032315}"/>
-              </a:ext>
-            </a:extLst>
-          </p:cNvPr>
-          <p:cNvSpPr txBox="1"/>
-          <p:nvPr/>
-        </p:nvSpPr>
-        <p:spPr>
-          <a:xfrm>
-            <a:off x="6191250" y="3124200"/>
-            <a:ext cx="5079276" cy="2308324"/>
-          </a:xfrm>
-          <a:prstGeom prst="rect">
-            <a:avLst/>
-          </a:prstGeom>
-          <a:noFill/>
-        </p:spPr>
-        <p:txBody>
-          <a:bodyPr wrap="none" rtlCol="0">
-            <a:spAutoFit/>
-          </a:bodyPr>
-          <a:lstStyle/>
-          <a:p>
-            <a:r>
-              <a:rPr lang="en-US" sz="3600" i="1" dirty="0">
-                <a:solidFill>
-                  <a:schemeClr val="tx2"/>
-                </a:solidFill>
-              </a:rPr>
-              <a:t>COVID-19 cases did affect </a:t>
-            </a:r>
-            <a:br>
-              <a:rPr lang="en-US" sz="3600" i="1" dirty="0">
-                <a:solidFill>
-                  <a:schemeClr val="tx2"/>
-                </a:solidFill>
-              </a:rPr>
-            </a:br>
-            <a:r>
-              <a:rPr lang="en-US" sz="3600" i="1" dirty="0">
-                <a:solidFill>
-                  <a:schemeClr val="tx2"/>
-                </a:solidFill>
-              </a:rPr>
-              <a:t>CalFresh aid, but not until </a:t>
-            </a:r>
-            <a:br>
-              <a:rPr lang="en-US" sz="3600" i="1" dirty="0">
-                <a:solidFill>
-                  <a:schemeClr val="tx2"/>
-                </a:solidFill>
-              </a:rPr>
-            </a:br>
-            <a:r>
-              <a:rPr lang="en-US" sz="3600" i="1" dirty="0">
-                <a:solidFill>
-                  <a:schemeClr val="tx2"/>
-                </a:solidFill>
-              </a:rPr>
-              <a:t>the second-wave spike in </a:t>
-            </a:r>
-            <a:br>
-              <a:rPr lang="en-US" sz="3600" i="1" dirty="0">
-                <a:solidFill>
-                  <a:schemeClr val="tx2"/>
-                </a:solidFill>
-              </a:rPr>
-            </a:br>
-            <a:r>
-              <a:rPr lang="en-US" sz="3600" i="1" dirty="0">
-                <a:solidFill>
-                  <a:schemeClr val="tx2"/>
-                </a:solidFill>
-              </a:rPr>
-              <a:t>the Fall of 2020. </a:t>
-            </a:r>
           </a:p>
         </p:txBody>
       </p:sp>
@@ -17709,316 +18102,6 @@
                       </p:childTnLst>
                     </p:cTn>
                   </p:par>
-                  <p:par>
-                    <p:cTn id="16" fill="hold">
-                      <p:stCondLst>
-                        <p:cond delay="indefinite"/>
-                      </p:stCondLst>
-                      <p:childTnLst>
-                        <p:par>
-                          <p:cTn id="17" fill="hold">
-                            <p:stCondLst>
-                              <p:cond delay="0"/>
-                            </p:stCondLst>
-                            <p:childTnLst>
-                              <p:par>
-                                <p:cTn id="18" presetID="10" presetClass="entr" presetSubtype="0" fill="hold" grpId="0" nodeType="clickEffect">
-                                  <p:stCondLst>
-                                    <p:cond delay="0"/>
-                                  </p:stCondLst>
-                                  <p:childTnLst>
-                                    <p:set>
-                                      <p:cBhvr>
-                                        <p:cTn id="19" dur="1" fill="hold">
-                                          <p:stCondLst>
-                                            <p:cond delay="0"/>
-                                          </p:stCondLst>
-                                        </p:cTn>
-                                        <p:tgtEl>
-                                          <p:spTgt spid="32">
-                                            <p:txEl>
-                                              <p:pRg st="0" end="0"/>
-                                            </p:txEl>
-                                          </p:spTgt>
-                                        </p:tgtEl>
-                                        <p:attrNameLst>
-                                          <p:attrName>style.visibility</p:attrName>
-                                        </p:attrNameLst>
-                                      </p:cBhvr>
-                                      <p:to>
-                                        <p:strVal val="visible"/>
-                                      </p:to>
-                                    </p:set>
-                                    <p:animEffect transition="in" filter="fade">
-                                      <p:cBhvr>
-                                        <p:cTn id="20" dur="500"/>
-                                        <p:tgtEl>
-                                          <p:spTgt spid="32">
-                                            <p:txEl>
-                                              <p:pRg st="0" end="0"/>
-                                            </p:txEl>
-                                          </p:spTgt>
-                                        </p:tgtEl>
-                                      </p:cBhvr>
-                                    </p:animEffect>
-                                  </p:childTnLst>
-                                  <p:subTnLst>
-                                    <p:set>
-                                      <p:cBhvr override="childStyle">
-                                        <p:cTn dur="1" fill="hold" display="0" masterRel="nextClick" afterEffect="1"/>
-                                        <p:tgtEl>
-                                          <p:spTgt spid="32">
-                                            <p:txEl>
-                                              <p:pRg st="0" end="0"/>
-                                            </p:txEl>
-                                          </p:spTgt>
-                                        </p:tgtEl>
-                                        <p:attrNameLst>
-                                          <p:attrName>style.visibility</p:attrName>
-                                        </p:attrNameLst>
-                                      </p:cBhvr>
-                                      <p:to>
-                                        <p:strVal val="hidden"/>
-                                      </p:to>
-                                    </p:set>
-                                  </p:subTnLst>
-                                </p:cTn>
-                              </p:par>
-                              <p:par>
-                                <p:cTn id="21" presetID="10" presetClass="entr" presetSubtype="0" fill="hold" nodeType="withEffect">
-                                  <p:stCondLst>
-                                    <p:cond delay="0"/>
-                                  </p:stCondLst>
-                                  <p:childTnLst>
-                                    <p:set>
-                                      <p:cBhvr>
-                                        <p:cTn id="22" dur="1" fill="hold">
-                                          <p:stCondLst>
-                                            <p:cond delay="0"/>
-                                          </p:stCondLst>
-                                        </p:cTn>
-                                        <p:tgtEl>
-                                          <p:spTgt spid="25"/>
-                                        </p:tgtEl>
-                                        <p:attrNameLst>
-                                          <p:attrName>style.visibility</p:attrName>
-                                        </p:attrNameLst>
-                                      </p:cBhvr>
-                                      <p:to>
-                                        <p:strVal val="visible"/>
-                                      </p:to>
-                                    </p:set>
-                                    <p:animEffect transition="in" filter="fade">
-                                      <p:cBhvr>
-                                        <p:cTn id="23" dur="500"/>
-                                        <p:tgtEl>
-                                          <p:spTgt spid="25"/>
-                                        </p:tgtEl>
-                                      </p:cBhvr>
-                                    </p:animEffect>
-                                  </p:childTnLst>
-                                  <p:subTnLst>
-                                    <p:set>
-                                      <p:cBhvr override="childStyle">
-                                        <p:cTn dur="1" fill="hold" display="0" masterRel="nextClick" afterEffect="1"/>
-                                        <p:tgtEl>
-                                          <p:spTgt spid="25"/>
-                                        </p:tgtEl>
-                                        <p:attrNameLst>
-                                          <p:attrName>style.visibility</p:attrName>
-                                        </p:attrNameLst>
-                                      </p:cBhvr>
-                                      <p:to>
-                                        <p:strVal val="hidden"/>
-                                      </p:to>
-                                    </p:set>
-                                  </p:subTnLst>
-                                </p:cTn>
-                              </p:par>
-                            </p:childTnLst>
-                          </p:cTn>
-                        </p:par>
-                      </p:childTnLst>
-                    </p:cTn>
-                  </p:par>
-                  <p:par>
-                    <p:cTn id="24" fill="hold">
-                      <p:stCondLst>
-                        <p:cond delay="indefinite"/>
-                      </p:stCondLst>
-                      <p:childTnLst>
-                        <p:par>
-                          <p:cTn id="25" fill="hold">
-                            <p:stCondLst>
-                              <p:cond delay="0"/>
-                            </p:stCondLst>
-                            <p:childTnLst>
-                              <p:par>
-                                <p:cTn id="26" presetID="1" presetClass="entr" presetSubtype="0" fill="hold" nodeType="clickEffect">
-                                  <p:stCondLst>
-                                    <p:cond delay="0"/>
-                                  </p:stCondLst>
-                                  <p:childTnLst>
-                                    <p:set>
-                                      <p:cBhvr>
-                                        <p:cTn id="27" dur="1" fill="hold">
-                                          <p:stCondLst>
-                                            <p:cond delay="0"/>
-                                          </p:stCondLst>
-                                        </p:cTn>
-                                        <p:tgtEl>
-                                          <p:spTgt spid="34"/>
-                                        </p:tgtEl>
-                                        <p:attrNameLst>
-                                          <p:attrName>style.visibility</p:attrName>
-                                        </p:attrNameLst>
-                                      </p:cBhvr>
-                                      <p:to>
-                                        <p:strVal val="visible"/>
-                                      </p:to>
-                                    </p:set>
-                                  </p:childTnLst>
-                                </p:cTn>
-                              </p:par>
-                            </p:childTnLst>
-                          </p:cTn>
-                        </p:par>
-                        <p:par>
-                          <p:cTn id="28" fill="hold">
-                            <p:stCondLst>
-                              <p:cond delay="0"/>
-                            </p:stCondLst>
-                            <p:childTnLst>
-                              <p:par>
-                                <p:cTn id="29" presetID="1" presetClass="entr" presetSubtype="0" fill="hold" grpId="0" nodeType="afterEffect">
-                                  <p:stCondLst>
-                                    <p:cond delay="500"/>
-                                  </p:stCondLst>
-                                  <p:childTnLst>
-                                    <p:set>
-                                      <p:cBhvr>
-                                        <p:cTn id="30" dur="1" fill="hold">
-                                          <p:stCondLst>
-                                            <p:cond delay="0"/>
-                                          </p:stCondLst>
-                                        </p:cTn>
-                                        <p:tgtEl>
-                                          <p:spTgt spid="33"/>
-                                        </p:tgtEl>
-                                        <p:attrNameLst>
-                                          <p:attrName>style.visibility</p:attrName>
-                                        </p:attrNameLst>
-                                      </p:cBhvr>
-                                      <p:to>
-                                        <p:strVal val="visible"/>
-                                      </p:to>
-                                    </p:set>
-                                  </p:childTnLst>
-                                </p:cTn>
-                              </p:par>
-                            </p:childTnLst>
-                          </p:cTn>
-                        </p:par>
-                        <p:par>
-                          <p:cTn id="31" fill="hold">
-                            <p:stCondLst>
-                              <p:cond delay="500"/>
-                            </p:stCondLst>
-                            <p:childTnLst>
-                              <p:par>
-                                <p:cTn id="32" presetID="10" presetClass="entr" presetSubtype="0" fill="hold" grpId="0" nodeType="afterEffect">
-                                  <p:stCondLst>
-                                    <p:cond delay="3500"/>
-                                  </p:stCondLst>
-                                  <p:childTnLst>
-                                    <p:set>
-                                      <p:cBhvr>
-                                        <p:cTn id="33" dur="1" fill="hold">
-                                          <p:stCondLst>
-                                            <p:cond delay="0"/>
-                                          </p:stCondLst>
-                                        </p:cTn>
-                                        <p:tgtEl>
-                                          <p:spTgt spid="35"/>
-                                        </p:tgtEl>
-                                        <p:attrNameLst>
-                                          <p:attrName>style.visibility</p:attrName>
-                                        </p:attrNameLst>
-                                      </p:cBhvr>
-                                      <p:to>
-                                        <p:strVal val="visible"/>
-                                      </p:to>
-                                    </p:set>
-                                    <p:animEffect transition="in" filter="fade">
-                                      <p:cBhvr>
-                                        <p:cTn id="34" dur="500"/>
-                                        <p:tgtEl>
-                                          <p:spTgt spid="35"/>
-                                        </p:tgtEl>
-                                      </p:cBhvr>
-                                    </p:animEffect>
-                                  </p:childTnLst>
-                                </p:cTn>
-                              </p:par>
-                            </p:childTnLst>
-                          </p:cTn>
-                        </p:par>
-                      </p:childTnLst>
-                    </p:cTn>
-                  </p:par>
-                  <p:par>
-                    <p:cTn id="35" fill="hold">
-                      <p:stCondLst>
-                        <p:cond delay="indefinite"/>
-                      </p:stCondLst>
-                      <p:childTnLst>
-                        <p:par>
-                          <p:cTn id="36" fill="hold">
-                            <p:stCondLst>
-                              <p:cond delay="0"/>
-                            </p:stCondLst>
-                            <p:childTnLst>
-                              <p:par>
-                                <p:cTn id="37" presetID="10" presetClass="entr" presetSubtype="0" fill="hold" grpId="0" nodeType="clickEffect">
-                                  <p:stCondLst>
-                                    <p:cond delay="0"/>
-                                  </p:stCondLst>
-                                  <p:childTnLst>
-                                    <p:set>
-                                      <p:cBhvr>
-                                        <p:cTn id="38" dur="1" fill="hold">
-                                          <p:stCondLst>
-                                            <p:cond delay="0"/>
-                                          </p:stCondLst>
-                                        </p:cTn>
-                                        <p:tgtEl>
-                                          <p:spTgt spid="4"/>
-                                        </p:tgtEl>
-                                        <p:attrNameLst>
-                                          <p:attrName>style.visibility</p:attrName>
-                                        </p:attrNameLst>
-                                      </p:cBhvr>
-                                      <p:to>
-                                        <p:strVal val="visible"/>
-                                      </p:to>
-                                    </p:set>
-                                    <p:animEffect transition="in" filter="fade">
-                                      <p:cBhvr>
-                                        <p:cTn id="39" dur="500"/>
-                                        <p:tgtEl>
-                                          <p:spTgt spid="4"/>
-                                        </p:tgtEl>
-                                      </p:cBhvr>
-                                    </p:animEffect>
-                                  </p:childTnLst>
-                                </p:cTn>
-                              </p:par>
-                            </p:childTnLst>
-                          </p:cTn>
-                        </p:par>
-                      </p:childTnLst>
-                    </p:cTn>
-                  </p:par>
                 </p:childTnLst>
               </p:cTn>
               <p:prevCondLst>
@@ -18042,12 +18125,8 @@
     </p:tnLst>
     <p:bldLst>
       <p:bldP spid="3" grpId="0" build="p"/>
-      <p:bldP spid="32" grpId="0" build="p"/>
-      <p:bldP spid="33" grpId="0"/>
-      <p:bldP spid="35" grpId="0" animBg="1"/>
       <p:bldP spid="36" grpId="0"/>
       <p:bldP spid="36" grpId="1"/>
-      <p:bldP spid="4" grpId="0"/>
     </p:bldLst>
   </p:timing>
 </p:sld>
@@ -18963,6 +19042,15 @@
 </file>
 
 <file path=customXml/item2.xml><?xml version="1.0" encoding="utf-8"?>
+<?mso-contentType ?>
+<FormTemplates xmlns="http://schemas.microsoft.com/sharepoint/v3/contenttype/forms">
+  <Display>DocumentLibraryForm</Display>
+  <Edit>DocumentLibraryForm</Edit>
+  <New>DocumentLibraryForm</New>
+</FormTemplates>
+</file>
+
+<file path=customXml/item3.xml><?xml version="1.0" encoding="utf-8"?>
 <ct:contentTypeSchema xmlns:ct="http://schemas.microsoft.com/office/2006/metadata/contentType" xmlns:ma="http://schemas.microsoft.com/office/2006/metadata/properties/metaAttributes" ct:_="" ma:_="" ma:contentTypeName="Document" ma:contentTypeID="0x01010079F111ED35F8CC479449609E8A0923A6" ma:contentTypeVersion="11" ma:contentTypeDescription="Create a new document." ma:contentTypeScope="" ma:versionID="96291512c1ee715ab617f4c07df79fc1">
   <xsd:schema xmlns:xsd="http://www.w3.org/2001/XMLSchema" xmlns:xs="http://www.w3.org/2001/XMLSchema" xmlns:p="http://schemas.microsoft.com/office/2006/metadata/properties" xmlns:ns2="71af3243-3dd4-4a8d-8c0d-dd76da1f02a5" xmlns:ns3="16c05727-aa75-4e4a-9b5f-8a80a1165891" targetNamespace="http://schemas.microsoft.com/office/2006/metadata/properties" ma:root="true" ma:fieldsID="8256c27c40ca5c40ce1cf6c44f0205df" ns2:_="" ns3:_="">
     <xsd:import namespace="71af3243-3dd4-4a8d-8c0d-dd76da1f02a5"/>
@@ -19173,15 +19261,6 @@
 </ct:contentTypeSchema>
 </file>
 
-<file path=customXml/item3.xml><?xml version="1.0" encoding="utf-8"?>
-<?mso-contentType ?>
-<FormTemplates xmlns="http://schemas.microsoft.com/sharepoint/v3/contenttype/forms">
-  <Display>DocumentLibraryForm</Display>
-  <Edit>DocumentLibraryForm</Edit>
-  <New>DocumentLibraryForm</New>
-</FormTemplates>
-</file>
-
 <file path=customXml/itemProps1.xml><?xml version="1.0" encoding="utf-8"?>
 <ds:datastoreItem xmlns:ds="http://schemas.openxmlformats.org/officeDocument/2006/customXml" ds:itemID="{E6C1CB0A-BB6E-4E95-95A3-95BDF5FBAB70}">
   <ds:schemaRefs>
@@ -19193,6 +19272,14 @@
 </file>
 
 <file path=customXml/itemProps2.xml><?xml version="1.0" encoding="utf-8"?>
+<ds:datastoreItem xmlns:ds="http://schemas.openxmlformats.org/officeDocument/2006/customXml" ds:itemID="{E430EB58-BCE7-41D9-A117-44B48F13F84B}">
+  <ds:schemaRefs>
+    <ds:schemaRef ds:uri="http://schemas.microsoft.com/sharepoint/v3/contenttype/forms"/>
+  </ds:schemaRefs>
+</ds:datastoreItem>
+</file>
+
+<file path=customXml/itemProps3.xml><?xml version="1.0" encoding="utf-8"?>
 <ds:datastoreItem xmlns:ds="http://schemas.openxmlformats.org/officeDocument/2006/customXml" ds:itemID="{D3200ABC-C80D-422B-8848-EDEE60F84ED4}">
   <ds:schemaRefs>
     <ds:schemaRef ds:uri="http://schemas.microsoft.com/office/2006/metadata/contentType"/>
@@ -19209,12 +19296,4 @@
     <ds:schemaRef ds:uri="http://schemas.microsoft.com/internal/obd"/>
   </ds:schemaRefs>
 </ds:datastoreItem>
-</file>
-
-<file path=customXml/itemProps3.xml><?xml version="1.0" encoding="utf-8"?>
-<ds:datastoreItem xmlns:ds="http://schemas.openxmlformats.org/officeDocument/2006/customXml" ds:itemID="{E430EB58-BCE7-41D9-A117-44B48F13F84B}">
-  <ds:schemaRefs>
-    <ds:schemaRef ds:uri="http://schemas.microsoft.com/sharepoint/v3/contenttype/forms"/>
-  </ds:schemaRefs>
-</ds:datastoreItem>
 </file>
--- a/Presentation/Covid_CalFresh_v.01.pptx
+++ b/Presentation/Covid_CalFresh_v.01.pptx
@@ -5701,7 +5701,7 @@
 </p:notes>
 </file>
 
-<file path=ppt/notesSlides/notesSlide2.xml><?xml version="1.0" encoding="utf-8"?>
+<file path=ppt/notesSlides/notesSlide10.xml><?xml version="1.0" encoding="utf-8"?>
 <p:notes xmlns:a="http://schemas.openxmlformats.org/drawingml/2006/main" xmlns:r="http://schemas.openxmlformats.org/officeDocument/2006/relationships" xmlns:p="http://schemas.openxmlformats.org/presentationml/2006/main">
   <p:cSld>
     <p:spTree>
@@ -5747,126 +5747,8 @@
           <a:p>
             <a:r>
               <a:rPr lang="en-US" dirty="0"/>
-              <a:t>Our initial assumption was that COVID infection rates would contribute to the rise of CalFresh assistance. It did not – initially</a:t>
+              <a:t>John:</a:t>
             </a:r>
-          </a:p>
-          <a:p>
-            <a:endParaRPr lang="en-US" dirty="0"/>
-          </a:p>
-          <a:p>
-            <a:r>
-              <a:rPr lang="en-US" dirty="0"/>
-              <a:t>The government shutdown policies had a direct and pronounced affect to the rise of unemployment and consequently CalFresh assistance.</a:t>
-            </a:r>
-          </a:p>
-          <a:p>
-            <a:endParaRPr lang="en-US" dirty="0"/>
-          </a:p>
-          <a:p>
-            <a:r>
-              <a:rPr lang="en-US" dirty="0"/>
-              <a:t>As unemployment dropped, so did CalFresh in parallel; except late in 2020, where the two diverged</a:t>
-            </a:r>
-          </a:p>
-          <a:p>
-            <a:endParaRPr lang="en-US" dirty="0"/>
-          </a:p>
-          <a:p>
-            <a:r>
-              <a:rPr lang="en-US" dirty="0"/>
-              <a:t>If we look back at Covid cases, we see there was an inflection point when COVID cases spiked, CalFresh did as well, with a delayed response. </a:t>
-            </a:r>
-          </a:p>
-        </p:txBody>
-      </p:sp>
-      <p:sp>
-        <p:nvSpPr>
-          <p:cNvPr id="4" name="Slide Number Placeholder 3"/>
-          <p:cNvSpPr>
-            <a:spLocks noGrp="1"/>
-          </p:cNvSpPr>
-          <p:nvPr>
-            <p:ph type="sldNum" sz="quarter" idx="5"/>
-          </p:nvPr>
-        </p:nvSpPr>
-        <p:spPr/>
-        <p:txBody>
-          <a:bodyPr/>
-          <a:lstStyle/>
-          <a:p>
-            <a:fld id="{B0FCC8D5-6D68-A443-97C0-91AE5977134B}" type="slidenum">
-              <a:rPr lang="en-US" smtClean="0"/>
-              <a:pPr/>
-              <a:t>9</a:t>
-            </a:fld>
-            <a:endParaRPr lang="en-US" dirty="0"/>
-          </a:p>
-        </p:txBody>
-      </p:sp>
-    </p:spTree>
-    <p:extLst>
-      <p:ext uri="{BB962C8B-B14F-4D97-AF65-F5344CB8AC3E}">
-        <p14:creationId xmlns:p14="http://schemas.microsoft.com/office/powerpoint/2010/main" val="2093336809"/>
-      </p:ext>
-    </p:extLst>
-  </p:cSld>
-  <p:clrMapOvr>
-    <a:masterClrMapping/>
-  </p:clrMapOvr>
-</p:notes>
-</file>
-
-<file path=ppt/notesSlides/notesSlide3.xml><?xml version="1.0" encoding="utf-8"?>
-<p:notes xmlns:a="http://schemas.openxmlformats.org/drawingml/2006/main" xmlns:r="http://schemas.openxmlformats.org/officeDocument/2006/relationships" xmlns:p="http://schemas.openxmlformats.org/presentationml/2006/main">
-  <p:cSld>
-    <p:spTree>
-      <p:nvGrpSpPr>
-        <p:cNvPr id="1" name=""/>
-        <p:cNvGrpSpPr/>
-        <p:nvPr/>
-      </p:nvGrpSpPr>
-      <p:grpSpPr>
-        <a:xfrm>
-          <a:off x="0" y="0"/>
-          <a:ext cx="0" cy="0"/>
-          <a:chOff x="0" y="0"/>
-          <a:chExt cx="0" cy="0"/>
-        </a:xfrm>
-      </p:grpSpPr>
-      <p:sp>
-        <p:nvSpPr>
-          <p:cNvPr id="2" name="Slide Image Placeholder 1"/>
-          <p:cNvSpPr>
-            <a:spLocks noGrp="1" noRot="1" noChangeAspect="1"/>
-          </p:cNvSpPr>
-          <p:nvPr>
-            <p:ph type="sldImg"/>
-          </p:nvPr>
-        </p:nvSpPr>
-        <p:spPr/>
-      </p:sp>
-      <p:sp>
-        <p:nvSpPr>
-          <p:cNvPr id="3" name="Notes Placeholder 2"/>
-          <p:cNvSpPr>
-            <a:spLocks noGrp="1"/>
-          </p:cNvSpPr>
-          <p:nvPr>
-            <p:ph type="body" idx="1"/>
-          </p:nvPr>
-        </p:nvSpPr>
-        <p:spPr/>
-        <p:txBody>
-          <a:bodyPr/>
-          <a:lstStyle/>
-          <a:p>
-            <a:r>
-              <a:rPr lang="en-US" dirty="0"/>
-              <a:t>Our initial assumption was that COVID infection rates would contribute to the rise of CalFresh assistance. It did not – initially</a:t>
-            </a:r>
-          </a:p>
-          <a:p>
-            <a:endParaRPr lang="en-US" dirty="0"/>
           </a:p>
           <a:p>
             <a:r>
@@ -5931,7 +5813,7 @@
 </p:notes>
 </file>
 
-<file path=ppt/notesSlides/notesSlide4.xml><?xml version="1.0" encoding="utf-8"?>
+<file path=ppt/notesSlides/notesSlide11.xml><?xml version="1.0" encoding="utf-8"?>
 <p:notes xmlns:a="http://schemas.openxmlformats.org/drawingml/2006/main" xmlns:r="http://schemas.openxmlformats.org/officeDocument/2006/relationships" xmlns:p="http://schemas.openxmlformats.org/presentationml/2006/main">
   <p:cSld>
     <p:spTree>
@@ -6007,6 +5889,712 @@
     <p:extLst>
       <p:ext uri="{BB962C8B-B14F-4D97-AF65-F5344CB8AC3E}">
         <p14:creationId xmlns:p14="http://schemas.microsoft.com/office/powerpoint/2010/main" val="489361180"/>
+      </p:ext>
+    </p:extLst>
+  </p:cSld>
+  <p:clrMapOvr>
+    <a:masterClrMapping/>
+  </p:clrMapOvr>
+</p:notes>
+</file>
+
+<file path=ppt/notesSlides/notesSlide2.xml><?xml version="1.0" encoding="utf-8"?>
+<p:notes xmlns:a="http://schemas.openxmlformats.org/drawingml/2006/main" xmlns:r="http://schemas.openxmlformats.org/officeDocument/2006/relationships" xmlns:p="http://schemas.openxmlformats.org/presentationml/2006/main">
+  <p:cSld>
+    <p:spTree>
+      <p:nvGrpSpPr>
+        <p:cNvPr id="1" name=""/>
+        <p:cNvGrpSpPr/>
+        <p:nvPr/>
+      </p:nvGrpSpPr>
+      <p:grpSpPr>
+        <a:xfrm>
+          <a:off x="0" y="0"/>
+          <a:ext cx="0" cy="0"/>
+          <a:chOff x="0" y="0"/>
+          <a:chExt cx="0" cy="0"/>
+        </a:xfrm>
+      </p:grpSpPr>
+      <p:sp>
+        <p:nvSpPr>
+          <p:cNvPr id="2" name="Slide Image Placeholder 1"/>
+          <p:cNvSpPr>
+            <a:spLocks noGrp="1" noRot="1" noChangeAspect="1"/>
+          </p:cNvSpPr>
+          <p:nvPr>
+            <p:ph type="sldImg"/>
+          </p:nvPr>
+        </p:nvSpPr>
+        <p:spPr/>
+      </p:sp>
+      <p:sp>
+        <p:nvSpPr>
+          <p:cNvPr id="3" name="Notes Placeholder 2"/>
+          <p:cNvSpPr>
+            <a:spLocks noGrp="1"/>
+          </p:cNvSpPr>
+          <p:nvPr>
+            <p:ph type="body" idx="1"/>
+          </p:nvPr>
+        </p:nvSpPr>
+        <p:spPr/>
+        <p:txBody>
+          <a:bodyPr/>
+          <a:lstStyle/>
+          <a:p>
+            <a:r>
+              <a:rPr lang="en-US" dirty="0"/>
+              <a:t>John</a:t>
+            </a:r>
+          </a:p>
+        </p:txBody>
+      </p:sp>
+      <p:sp>
+        <p:nvSpPr>
+          <p:cNvPr id="4" name="Slide Number Placeholder 3"/>
+          <p:cNvSpPr>
+            <a:spLocks noGrp="1"/>
+          </p:cNvSpPr>
+          <p:nvPr>
+            <p:ph type="sldNum" sz="quarter" idx="5"/>
+          </p:nvPr>
+        </p:nvSpPr>
+        <p:spPr/>
+        <p:txBody>
+          <a:bodyPr/>
+          <a:lstStyle/>
+          <a:p>
+            <a:fld id="{B0FCC8D5-6D68-A443-97C0-91AE5977134B}" type="slidenum">
+              <a:rPr lang="en-US" smtClean="0"/>
+              <a:pPr/>
+              <a:t>2</a:t>
+            </a:fld>
+            <a:endParaRPr lang="en-US" dirty="0"/>
+          </a:p>
+        </p:txBody>
+      </p:sp>
+    </p:spTree>
+    <p:extLst>
+      <p:ext uri="{BB962C8B-B14F-4D97-AF65-F5344CB8AC3E}">
+        <p14:creationId xmlns:p14="http://schemas.microsoft.com/office/powerpoint/2010/main" val="364295903"/>
+      </p:ext>
+    </p:extLst>
+  </p:cSld>
+  <p:clrMapOvr>
+    <a:masterClrMapping/>
+  </p:clrMapOvr>
+</p:notes>
+</file>
+
+<file path=ppt/notesSlides/notesSlide3.xml><?xml version="1.0" encoding="utf-8"?>
+<p:notes xmlns:a="http://schemas.openxmlformats.org/drawingml/2006/main" xmlns:r="http://schemas.openxmlformats.org/officeDocument/2006/relationships" xmlns:p="http://schemas.openxmlformats.org/presentationml/2006/main">
+  <p:cSld>
+    <p:spTree>
+      <p:nvGrpSpPr>
+        <p:cNvPr id="1" name=""/>
+        <p:cNvGrpSpPr/>
+        <p:nvPr/>
+      </p:nvGrpSpPr>
+      <p:grpSpPr>
+        <a:xfrm>
+          <a:off x="0" y="0"/>
+          <a:ext cx="0" cy="0"/>
+          <a:chOff x="0" y="0"/>
+          <a:chExt cx="0" cy="0"/>
+        </a:xfrm>
+      </p:grpSpPr>
+      <p:sp>
+        <p:nvSpPr>
+          <p:cNvPr id="2" name="Slide Image Placeholder 1"/>
+          <p:cNvSpPr>
+            <a:spLocks noGrp="1" noRot="1" noChangeAspect="1"/>
+          </p:cNvSpPr>
+          <p:nvPr>
+            <p:ph type="sldImg"/>
+          </p:nvPr>
+        </p:nvSpPr>
+        <p:spPr/>
+      </p:sp>
+      <p:sp>
+        <p:nvSpPr>
+          <p:cNvPr id="3" name="Notes Placeholder 2"/>
+          <p:cNvSpPr>
+            <a:spLocks noGrp="1"/>
+          </p:cNvSpPr>
+          <p:nvPr>
+            <p:ph type="body" idx="1"/>
+          </p:nvPr>
+        </p:nvSpPr>
+        <p:spPr/>
+        <p:txBody>
+          <a:bodyPr/>
+          <a:lstStyle/>
+          <a:p>
+            <a:r>
+              <a:rPr lang="en-US" dirty="0"/>
+              <a:t>Jackson</a:t>
+            </a:r>
+          </a:p>
+        </p:txBody>
+      </p:sp>
+      <p:sp>
+        <p:nvSpPr>
+          <p:cNvPr id="4" name="Slide Number Placeholder 3"/>
+          <p:cNvSpPr>
+            <a:spLocks noGrp="1"/>
+          </p:cNvSpPr>
+          <p:nvPr>
+            <p:ph type="sldNum" sz="quarter" idx="5"/>
+          </p:nvPr>
+        </p:nvSpPr>
+        <p:spPr/>
+        <p:txBody>
+          <a:bodyPr/>
+          <a:lstStyle/>
+          <a:p>
+            <a:fld id="{B0FCC8D5-6D68-A443-97C0-91AE5977134B}" type="slidenum">
+              <a:rPr lang="en-US" smtClean="0"/>
+              <a:pPr/>
+              <a:t>3</a:t>
+            </a:fld>
+            <a:endParaRPr lang="en-US" dirty="0"/>
+          </a:p>
+        </p:txBody>
+      </p:sp>
+    </p:spTree>
+    <p:extLst>
+      <p:ext uri="{BB962C8B-B14F-4D97-AF65-F5344CB8AC3E}">
+        <p14:creationId xmlns:p14="http://schemas.microsoft.com/office/powerpoint/2010/main" val="1571609315"/>
+      </p:ext>
+    </p:extLst>
+  </p:cSld>
+  <p:clrMapOvr>
+    <a:masterClrMapping/>
+  </p:clrMapOvr>
+</p:notes>
+</file>
+
+<file path=ppt/notesSlides/notesSlide4.xml><?xml version="1.0" encoding="utf-8"?>
+<p:notes xmlns:a="http://schemas.openxmlformats.org/drawingml/2006/main" xmlns:r="http://schemas.openxmlformats.org/officeDocument/2006/relationships" xmlns:p="http://schemas.openxmlformats.org/presentationml/2006/main">
+  <p:cSld>
+    <p:spTree>
+      <p:nvGrpSpPr>
+        <p:cNvPr id="1" name=""/>
+        <p:cNvGrpSpPr/>
+        <p:nvPr/>
+      </p:nvGrpSpPr>
+      <p:grpSpPr>
+        <a:xfrm>
+          <a:off x="0" y="0"/>
+          <a:ext cx="0" cy="0"/>
+          <a:chOff x="0" y="0"/>
+          <a:chExt cx="0" cy="0"/>
+        </a:xfrm>
+      </p:grpSpPr>
+      <p:sp>
+        <p:nvSpPr>
+          <p:cNvPr id="2" name="Slide Image Placeholder 1"/>
+          <p:cNvSpPr>
+            <a:spLocks noGrp="1" noRot="1" noChangeAspect="1"/>
+          </p:cNvSpPr>
+          <p:nvPr>
+            <p:ph type="sldImg"/>
+          </p:nvPr>
+        </p:nvSpPr>
+        <p:spPr/>
+      </p:sp>
+      <p:sp>
+        <p:nvSpPr>
+          <p:cNvPr id="3" name="Notes Placeholder 2"/>
+          <p:cNvSpPr>
+            <a:spLocks noGrp="1"/>
+          </p:cNvSpPr>
+          <p:nvPr>
+            <p:ph type="body" idx="1"/>
+          </p:nvPr>
+        </p:nvSpPr>
+        <p:spPr/>
+        <p:txBody>
+          <a:bodyPr/>
+          <a:lstStyle/>
+          <a:p>
+            <a:r>
+              <a:rPr lang="en-US" dirty="0"/>
+              <a:t>Jackson</a:t>
+            </a:r>
+          </a:p>
+        </p:txBody>
+      </p:sp>
+      <p:sp>
+        <p:nvSpPr>
+          <p:cNvPr id="4" name="Slide Number Placeholder 3"/>
+          <p:cNvSpPr>
+            <a:spLocks noGrp="1"/>
+          </p:cNvSpPr>
+          <p:nvPr>
+            <p:ph type="sldNum" sz="quarter" idx="5"/>
+          </p:nvPr>
+        </p:nvSpPr>
+        <p:spPr/>
+        <p:txBody>
+          <a:bodyPr/>
+          <a:lstStyle/>
+          <a:p>
+            <a:fld id="{B0FCC8D5-6D68-A443-97C0-91AE5977134B}" type="slidenum">
+              <a:rPr lang="en-US" smtClean="0"/>
+              <a:pPr/>
+              <a:t>4</a:t>
+            </a:fld>
+            <a:endParaRPr lang="en-US" dirty="0"/>
+          </a:p>
+        </p:txBody>
+      </p:sp>
+    </p:spTree>
+    <p:extLst>
+      <p:ext uri="{BB962C8B-B14F-4D97-AF65-F5344CB8AC3E}">
+        <p14:creationId xmlns:p14="http://schemas.microsoft.com/office/powerpoint/2010/main" val="3244851750"/>
+      </p:ext>
+    </p:extLst>
+  </p:cSld>
+  <p:clrMapOvr>
+    <a:masterClrMapping/>
+  </p:clrMapOvr>
+</p:notes>
+</file>
+
+<file path=ppt/notesSlides/notesSlide5.xml><?xml version="1.0" encoding="utf-8"?>
+<p:notes xmlns:a="http://schemas.openxmlformats.org/drawingml/2006/main" xmlns:r="http://schemas.openxmlformats.org/officeDocument/2006/relationships" xmlns:p="http://schemas.openxmlformats.org/presentationml/2006/main">
+  <p:cSld>
+    <p:spTree>
+      <p:nvGrpSpPr>
+        <p:cNvPr id="1" name=""/>
+        <p:cNvGrpSpPr/>
+        <p:nvPr/>
+      </p:nvGrpSpPr>
+      <p:grpSpPr>
+        <a:xfrm>
+          <a:off x="0" y="0"/>
+          <a:ext cx="0" cy="0"/>
+          <a:chOff x="0" y="0"/>
+          <a:chExt cx="0" cy="0"/>
+        </a:xfrm>
+      </p:grpSpPr>
+      <p:sp>
+        <p:nvSpPr>
+          <p:cNvPr id="2" name="Slide Image Placeholder 1"/>
+          <p:cNvSpPr>
+            <a:spLocks noGrp="1" noRot="1" noChangeAspect="1"/>
+          </p:cNvSpPr>
+          <p:nvPr>
+            <p:ph type="sldImg"/>
+          </p:nvPr>
+        </p:nvSpPr>
+        <p:spPr/>
+      </p:sp>
+      <p:sp>
+        <p:nvSpPr>
+          <p:cNvPr id="3" name="Notes Placeholder 2"/>
+          <p:cNvSpPr>
+            <a:spLocks noGrp="1"/>
+          </p:cNvSpPr>
+          <p:nvPr>
+            <p:ph type="body" idx="1"/>
+          </p:nvPr>
+        </p:nvSpPr>
+        <p:spPr/>
+        <p:txBody>
+          <a:bodyPr/>
+          <a:lstStyle/>
+          <a:p>
+            <a:endParaRPr lang="en-US"/>
+          </a:p>
+        </p:txBody>
+      </p:sp>
+      <p:sp>
+        <p:nvSpPr>
+          <p:cNvPr id="4" name="Slide Number Placeholder 3"/>
+          <p:cNvSpPr>
+            <a:spLocks noGrp="1"/>
+          </p:cNvSpPr>
+          <p:nvPr>
+            <p:ph type="sldNum" sz="quarter" idx="5"/>
+          </p:nvPr>
+        </p:nvSpPr>
+        <p:spPr/>
+        <p:txBody>
+          <a:bodyPr/>
+          <a:lstStyle/>
+          <a:p>
+            <a:fld id="{B0FCC8D5-6D68-A443-97C0-91AE5977134B}" type="slidenum">
+              <a:rPr lang="en-US" smtClean="0"/>
+              <a:pPr/>
+              <a:t>5</a:t>
+            </a:fld>
+            <a:endParaRPr lang="en-US" dirty="0"/>
+          </a:p>
+        </p:txBody>
+      </p:sp>
+    </p:spTree>
+    <p:extLst>
+      <p:ext uri="{BB962C8B-B14F-4D97-AF65-F5344CB8AC3E}">
+        <p14:creationId xmlns:p14="http://schemas.microsoft.com/office/powerpoint/2010/main" val="942848983"/>
+      </p:ext>
+    </p:extLst>
+  </p:cSld>
+  <p:clrMapOvr>
+    <a:masterClrMapping/>
+  </p:clrMapOvr>
+</p:notes>
+</file>
+
+<file path=ppt/notesSlides/notesSlide6.xml><?xml version="1.0" encoding="utf-8"?>
+<p:notes xmlns:a="http://schemas.openxmlformats.org/drawingml/2006/main" xmlns:r="http://schemas.openxmlformats.org/officeDocument/2006/relationships" xmlns:p="http://schemas.openxmlformats.org/presentationml/2006/main">
+  <p:cSld>
+    <p:spTree>
+      <p:nvGrpSpPr>
+        <p:cNvPr id="1" name=""/>
+        <p:cNvGrpSpPr/>
+        <p:nvPr/>
+      </p:nvGrpSpPr>
+      <p:grpSpPr>
+        <a:xfrm>
+          <a:off x="0" y="0"/>
+          <a:ext cx="0" cy="0"/>
+          <a:chOff x="0" y="0"/>
+          <a:chExt cx="0" cy="0"/>
+        </a:xfrm>
+      </p:grpSpPr>
+      <p:sp>
+        <p:nvSpPr>
+          <p:cNvPr id="2" name="Slide Image Placeholder 1"/>
+          <p:cNvSpPr>
+            <a:spLocks noGrp="1" noRot="1" noChangeAspect="1"/>
+          </p:cNvSpPr>
+          <p:nvPr>
+            <p:ph type="sldImg"/>
+          </p:nvPr>
+        </p:nvSpPr>
+        <p:spPr/>
+      </p:sp>
+      <p:sp>
+        <p:nvSpPr>
+          <p:cNvPr id="3" name="Notes Placeholder 2"/>
+          <p:cNvSpPr>
+            <a:spLocks noGrp="1"/>
+          </p:cNvSpPr>
+          <p:nvPr>
+            <p:ph type="body" idx="1"/>
+          </p:nvPr>
+        </p:nvSpPr>
+        <p:spPr/>
+        <p:txBody>
+          <a:bodyPr/>
+          <a:lstStyle/>
+          <a:p>
+            <a:endParaRPr lang="en-US"/>
+          </a:p>
+        </p:txBody>
+      </p:sp>
+      <p:sp>
+        <p:nvSpPr>
+          <p:cNvPr id="4" name="Slide Number Placeholder 3"/>
+          <p:cNvSpPr>
+            <a:spLocks noGrp="1"/>
+          </p:cNvSpPr>
+          <p:nvPr>
+            <p:ph type="sldNum" sz="quarter" idx="5"/>
+          </p:nvPr>
+        </p:nvSpPr>
+        <p:spPr/>
+        <p:txBody>
+          <a:bodyPr/>
+          <a:lstStyle/>
+          <a:p>
+            <a:fld id="{B0FCC8D5-6D68-A443-97C0-91AE5977134B}" type="slidenum">
+              <a:rPr lang="en-US" smtClean="0"/>
+              <a:pPr/>
+              <a:t>6</a:t>
+            </a:fld>
+            <a:endParaRPr lang="en-US" dirty="0"/>
+          </a:p>
+        </p:txBody>
+      </p:sp>
+    </p:spTree>
+    <p:extLst>
+      <p:ext uri="{BB962C8B-B14F-4D97-AF65-F5344CB8AC3E}">
+        <p14:creationId xmlns:p14="http://schemas.microsoft.com/office/powerpoint/2010/main" val="853647689"/>
+      </p:ext>
+    </p:extLst>
+  </p:cSld>
+  <p:clrMapOvr>
+    <a:masterClrMapping/>
+  </p:clrMapOvr>
+</p:notes>
+</file>
+
+<file path=ppt/notesSlides/notesSlide7.xml><?xml version="1.0" encoding="utf-8"?>
+<p:notes xmlns:a="http://schemas.openxmlformats.org/drawingml/2006/main" xmlns:r="http://schemas.openxmlformats.org/officeDocument/2006/relationships" xmlns:p="http://schemas.openxmlformats.org/presentationml/2006/main">
+  <p:cSld>
+    <p:spTree>
+      <p:nvGrpSpPr>
+        <p:cNvPr id="1" name=""/>
+        <p:cNvGrpSpPr/>
+        <p:nvPr/>
+      </p:nvGrpSpPr>
+      <p:grpSpPr>
+        <a:xfrm>
+          <a:off x="0" y="0"/>
+          <a:ext cx="0" cy="0"/>
+          <a:chOff x="0" y="0"/>
+          <a:chExt cx="0" cy="0"/>
+        </a:xfrm>
+      </p:grpSpPr>
+      <p:sp>
+        <p:nvSpPr>
+          <p:cNvPr id="2" name="Slide Image Placeholder 1"/>
+          <p:cNvSpPr>
+            <a:spLocks noGrp="1" noRot="1" noChangeAspect="1"/>
+          </p:cNvSpPr>
+          <p:nvPr>
+            <p:ph type="sldImg"/>
+          </p:nvPr>
+        </p:nvSpPr>
+        <p:spPr/>
+      </p:sp>
+      <p:sp>
+        <p:nvSpPr>
+          <p:cNvPr id="3" name="Notes Placeholder 2"/>
+          <p:cNvSpPr>
+            <a:spLocks noGrp="1"/>
+          </p:cNvSpPr>
+          <p:nvPr>
+            <p:ph type="body" idx="1"/>
+          </p:nvPr>
+        </p:nvSpPr>
+        <p:spPr/>
+        <p:txBody>
+          <a:bodyPr/>
+          <a:lstStyle/>
+          <a:p>
+            <a:r>
+              <a:rPr lang="en-US" dirty="0" err="1"/>
+              <a:t>DHall</a:t>
+            </a:r>
+            <a:endParaRPr lang="en-US" dirty="0"/>
+          </a:p>
+        </p:txBody>
+      </p:sp>
+      <p:sp>
+        <p:nvSpPr>
+          <p:cNvPr id="4" name="Slide Number Placeholder 3"/>
+          <p:cNvSpPr>
+            <a:spLocks noGrp="1"/>
+          </p:cNvSpPr>
+          <p:nvPr>
+            <p:ph type="sldNum" sz="quarter" idx="5"/>
+          </p:nvPr>
+        </p:nvSpPr>
+        <p:spPr/>
+        <p:txBody>
+          <a:bodyPr/>
+          <a:lstStyle/>
+          <a:p>
+            <a:fld id="{B0FCC8D5-6D68-A443-97C0-91AE5977134B}" type="slidenum">
+              <a:rPr lang="en-US" smtClean="0"/>
+              <a:pPr/>
+              <a:t>7</a:t>
+            </a:fld>
+            <a:endParaRPr lang="en-US" dirty="0"/>
+          </a:p>
+        </p:txBody>
+      </p:sp>
+    </p:spTree>
+    <p:extLst>
+      <p:ext uri="{BB962C8B-B14F-4D97-AF65-F5344CB8AC3E}">
+        <p14:creationId xmlns:p14="http://schemas.microsoft.com/office/powerpoint/2010/main" val="3872731076"/>
+      </p:ext>
+    </p:extLst>
+  </p:cSld>
+  <p:clrMapOvr>
+    <a:masterClrMapping/>
+  </p:clrMapOvr>
+</p:notes>
+</file>
+
+<file path=ppt/notesSlides/notesSlide8.xml><?xml version="1.0" encoding="utf-8"?>
+<p:notes xmlns:a="http://schemas.openxmlformats.org/drawingml/2006/main" xmlns:r="http://schemas.openxmlformats.org/officeDocument/2006/relationships" xmlns:p="http://schemas.openxmlformats.org/presentationml/2006/main">
+  <p:cSld>
+    <p:spTree>
+      <p:nvGrpSpPr>
+        <p:cNvPr id="1" name=""/>
+        <p:cNvGrpSpPr/>
+        <p:nvPr/>
+      </p:nvGrpSpPr>
+      <p:grpSpPr>
+        <a:xfrm>
+          <a:off x="0" y="0"/>
+          <a:ext cx="0" cy="0"/>
+          <a:chOff x="0" y="0"/>
+          <a:chExt cx="0" cy="0"/>
+        </a:xfrm>
+      </p:grpSpPr>
+      <p:sp>
+        <p:nvSpPr>
+          <p:cNvPr id="2" name="Slide Image Placeholder 1"/>
+          <p:cNvSpPr>
+            <a:spLocks noGrp="1" noRot="1" noChangeAspect="1"/>
+          </p:cNvSpPr>
+          <p:nvPr>
+            <p:ph type="sldImg"/>
+          </p:nvPr>
+        </p:nvSpPr>
+        <p:spPr/>
+      </p:sp>
+      <p:sp>
+        <p:nvSpPr>
+          <p:cNvPr id="3" name="Notes Placeholder 2"/>
+          <p:cNvSpPr>
+            <a:spLocks noGrp="1"/>
+          </p:cNvSpPr>
+          <p:nvPr>
+            <p:ph type="body" idx="1"/>
+          </p:nvPr>
+        </p:nvSpPr>
+        <p:spPr/>
+        <p:txBody>
+          <a:bodyPr/>
+          <a:lstStyle/>
+          <a:p>
+            <a:r>
+              <a:rPr lang="en-US" dirty="0" err="1"/>
+              <a:t>DHall</a:t>
+            </a:r>
+            <a:endParaRPr lang="en-US" dirty="0"/>
+          </a:p>
+        </p:txBody>
+      </p:sp>
+      <p:sp>
+        <p:nvSpPr>
+          <p:cNvPr id="4" name="Slide Number Placeholder 3"/>
+          <p:cNvSpPr>
+            <a:spLocks noGrp="1"/>
+          </p:cNvSpPr>
+          <p:nvPr>
+            <p:ph type="sldNum" sz="quarter" idx="5"/>
+          </p:nvPr>
+        </p:nvSpPr>
+        <p:spPr/>
+        <p:txBody>
+          <a:bodyPr/>
+          <a:lstStyle/>
+          <a:p>
+            <a:fld id="{B0FCC8D5-6D68-A443-97C0-91AE5977134B}" type="slidenum">
+              <a:rPr lang="en-US" smtClean="0"/>
+              <a:pPr/>
+              <a:t>8</a:t>
+            </a:fld>
+            <a:endParaRPr lang="en-US" dirty="0"/>
+          </a:p>
+        </p:txBody>
+      </p:sp>
+    </p:spTree>
+    <p:extLst>
+      <p:ext uri="{BB962C8B-B14F-4D97-AF65-F5344CB8AC3E}">
+        <p14:creationId xmlns:p14="http://schemas.microsoft.com/office/powerpoint/2010/main" val="650698074"/>
+      </p:ext>
+    </p:extLst>
+  </p:cSld>
+  <p:clrMapOvr>
+    <a:masterClrMapping/>
+  </p:clrMapOvr>
+</p:notes>
+</file>
+
+<file path=ppt/notesSlides/notesSlide9.xml><?xml version="1.0" encoding="utf-8"?>
+<p:notes xmlns:a="http://schemas.openxmlformats.org/drawingml/2006/main" xmlns:r="http://schemas.openxmlformats.org/officeDocument/2006/relationships" xmlns:p="http://schemas.openxmlformats.org/presentationml/2006/main">
+  <p:cSld>
+    <p:spTree>
+      <p:nvGrpSpPr>
+        <p:cNvPr id="1" name=""/>
+        <p:cNvGrpSpPr/>
+        <p:nvPr/>
+      </p:nvGrpSpPr>
+      <p:grpSpPr>
+        <a:xfrm>
+          <a:off x="0" y="0"/>
+          <a:ext cx="0" cy="0"/>
+          <a:chOff x="0" y="0"/>
+          <a:chExt cx="0" cy="0"/>
+        </a:xfrm>
+      </p:grpSpPr>
+      <p:sp>
+        <p:nvSpPr>
+          <p:cNvPr id="2" name="Slide Image Placeholder 1"/>
+          <p:cNvSpPr>
+            <a:spLocks noGrp="1" noRot="1" noChangeAspect="1"/>
+          </p:cNvSpPr>
+          <p:nvPr>
+            <p:ph type="sldImg"/>
+          </p:nvPr>
+        </p:nvSpPr>
+        <p:spPr/>
+      </p:sp>
+      <p:sp>
+        <p:nvSpPr>
+          <p:cNvPr id="3" name="Notes Placeholder 2"/>
+          <p:cNvSpPr>
+            <a:spLocks noGrp="1"/>
+          </p:cNvSpPr>
+          <p:nvPr>
+            <p:ph type="body" idx="1"/>
+          </p:nvPr>
+        </p:nvSpPr>
+        <p:spPr/>
+        <p:txBody>
+          <a:bodyPr/>
+          <a:lstStyle/>
+          <a:p>
+            <a:r>
+              <a:rPr lang="en-US" dirty="0"/>
+              <a:t>John:</a:t>
+            </a:r>
+          </a:p>
+          <a:p>
+            <a:r>
+              <a:rPr lang="en-US" dirty="0"/>
+              <a:t>Our initial assumption was that COVID infection rates would contribute to the rise of CalFresh assistance. It did not – initially</a:t>
+            </a:r>
+          </a:p>
+        </p:txBody>
+      </p:sp>
+      <p:sp>
+        <p:nvSpPr>
+          <p:cNvPr id="4" name="Slide Number Placeholder 3"/>
+          <p:cNvSpPr>
+            <a:spLocks noGrp="1"/>
+          </p:cNvSpPr>
+          <p:nvPr>
+            <p:ph type="sldNum" sz="quarter" idx="5"/>
+          </p:nvPr>
+        </p:nvSpPr>
+        <p:spPr/>
+        <p:txBody>
+          <a:bodyPr/>
+          <a:lstStyle/>
+          <a:p>
+            <a:fld id="{B0FCC8D5-6D68-A443-97C0-91AE5977134B}" type="slidenum">
+              <a:rPr lang="en-US" smtClean="0"/>
+              <a:pPr/>
+              <a:t>9</a:t>
+            </a:fld>
+            <a:endParaRPr lang="en-US" dirty="0"/>
+          </a:p>
+        </p:txBody>
+      </p:sp>
+    </p:spTree>
+    <p:extLst>
+      <p:ext uri="{BB962C8B-B14F-4D97-AF65-F5344CB8AC3E}">
+        <p14:creationId xmlns:p14="http://schemas.microsoft.com/office/powerpoint/2010/main" val="2093336809"/>
       </p:ext>
     </p:extLst>
   </p:cSld>
@@ -12657,6 +13245,122 @@
           <a:chExt cx="0" cy="0"/>
         </a:xfrm>
       </p:grpSpPr>
+      <p:pic>
+        <p:nvPicPr>
+          <p:cNvPr id="9" name="Content Placeholder 8">
+            <a:extLst>
+              <a:ext uri="{FF2B5EF4-FFF2-40B4-BE49-F238E27FC236}">
+                <a16:creationId xmlns:a16="http://schemas.microsoft.com/office/drawing/2014/main" id="{760CA502-6580-49A5-81C0-5E6A13D9B3B1}"/>
+              </a:ext>
+            </a:extLst>
+          </p:cNvPr>
+          <p:cNvPicPr>
+            <a:picLocks noGrp="1" noChangeAspect="1"/>
+          </p:cNvPicPr>
+          <p:nvPr>
+            <p:ph sz="half" idx="2"/>
+          </p:nvPr>
+        </p:nvPicPr>
+        <p:blipFill>
+          <a:blip r:embed="rId3"/>
+          <a:stretch>
+            <a:fillRect/>
+          </a:stretch>
+        </p:blipFill>
+        <p:spPr>
+          <a:xfrm>
+            <a:off x="609600" y="2636044"/>
+            <a:ext cx="5384800" cy="3028949"/>
+          </a:xfrm>
+        </p:spPr>
+      </p:pic>
+      <p:sp>
+        <p:nvSpPr>
+          <p:cNvPr id="4" name="TextBox 3">
+            <a:extLst>
+              <a:ext uri="{FF2B5EF4-FFF2-40B4-BE49-F238E27FC236}">
+                <a16:creationId xmlns:a16="http://schemas.microsoft.com/office/drawing/2014/main" id="{56975E2B-BE0E-432E-9D29-4C91FC032315}"/>
+              </a:ext>
+            </a:extLst>
+          </p:cNvPr>
+          <p:cNvSpPr txBox="1"/>
+          <p:nvPr/>
+        </p:nvSpPr>
+        <p:spPr>
+          <a:xfrm>
+            <a:off x="6191250" y="1716626"/>
+            <a:ext cx="5562600" cy="4297680"/>
+          </a:xfrm>
+          <a:prstGeom prst="rect">
+            <a:avLst/>
+          </a:prstGeom>
+          <a:solidFill>
+            <a:schemeClr val="bg1"/>
+          </a:solidFill>
+        </p:spPr>
+        <p:txBody>
+          <a:bodyPr wrap="square" rtlCol="0" anchor="ctr">
+            <a:spAutoFit/>
+          </a:bodyPr>
+          <a:lstStyle/>
+          <a:p>
+            <a:pPr algn="ctr"/>
+            <a:r>
+              <a:rPr lang="en-US" sz="3600" i="1" dirty="0">
+                <a:solidFill>
+                  <a:schemeClr val="tx2"/>
+                </a:solidFill>
+              </a:rPr>
+              <a:t>COVID-19 cases did affect </a:t>
+            </a:r>
+            <a:br>
+              <a:rPr lang="en-US" sz="3600" i="1" dirty="0">
+                <a:solidFill>
+                  <a:schemeClr val="tx2"/>
+                </a:solidFill>
+              </a:rPr>
+            </a:br>
+            <a:r>
+              <a:rPr lang="en-US" sz="3600" i="1" dirty="0">
+                <a:solidFill>
+                  <a:schemeClr val="tx2"/>
+                </a:solidFill>
+              </a:rPr>
+              <a:t>CalFresh aid, but not until </a:t>
+            </a:r>
+            <a:br>
+              <a:rPr lang="en-US" sz="3600" i="1" dirty="0">
+                <a:solidFill>
+                  <a:schemeClr val="tx2"/>
+                </a:solidFill>
+              </a:rPr>
+            </a:br>
+            <a:r>
+              <a:rPr lang="en-US" sz="3600" i="1" dirty="0">
+                <a:solidFill>
+                  <a:schemeClr val="tx2"/>
+                </a:solidFill>
+              </a:rPr>
+              <a:t>the second-wave spike in </a:t>
+            </a:r>
+            <a:br>
+              <a:rPr lang="en-US" sz="3600" i="1" dirty="0">
+                <a:solidFill>
+                  <a:schemeClr val="tx2"/>
+                </a:solidFill>
+              </a:rPr>
+            </a:br>
+            <a:r>
+              <a:rPr lang="en-US" sz="3600" i="1" dirty="0">
+                <a:solidFill>
+                  <a:schemeClr val="tx2"/>
+                </a:solidFill>
+              </a:rPr>
+              <a:t>the Fall of 2020. </a:t>
+            </a:r>
+          </a:p>
+        </p:txBody>
+      </p:sp>
       <p:sp>
         <p:nvSpPr>
           <p:cNvPr id="2" name="Title 1">
@@ -12690,35 +13394,6 @@
           </a:p>
         </p:txBody>
       </p:sp>
-      <p:pic>
-        <p:nvPicPr>
-          <p:cNvPr id="25" name="Content Placeholder 24">
-            <a:extLst>
-              <a:ext uri="{FF2B5EF4-FFF2-40B4-BE49-F238E27FC236}">
-                <a16:creationId xmlns:a16="http://schemas.microsoft.com/office/drawing/2014/main" id="{9244EE3C-F2B1-4170-9AC9-5A5F2E3F9ADB}"/>
-              </a:ext>
-            </a:extLst>
-          </p:cNvPr>
-          <p:cNvPicPr>
-            <a:picLocks noGrp="1" noChangeAspect="1"/>
-          </p:cNvPicPr>
-          <p:nvPr>
-            <p:ph sz="quarter" idx="4"/>
-          </p:nvPr>
-        </p:nvPicPr>
-        <p:blipFill>
-          <a:blip r:embed="rId3"/>
-          <a:stretch>
-            <a:fillRect/>
-          </a:stretch>
-        </p:blipFill>
-        <p:spPr>
-          <a:xfrm>
-            <a:off x="6191250" y="2635151"/>
-            <a:ext cx="5387975" cy="3030735"/>
-          </a:xfrm>
-        </p:spPr>
-      </p:pic>
       <p:sp>
         <p:nvSpPr>
           <p:cNvPr id="32" name="Text Placeholder 31">
@@ -12957,122 +13632,6 @@
       </p:sp>
       <p:sp>
         <p:nvSpPr>
-          <p:cNvPr id="4" name="TextBox 3">
-            <a:extLst>
-              <a:ext uri="{FF2B5EF4-FFF2-40B4-BE49-F238E27FC236}">
-                <a16:creationId xmlns:a16="http://schemas.microsoft.com/office/drawing/2014/main" id="{56975E2B-BE0E-432E-9D29-4C91FC032315}"/>
-              </a:ext>
-            </a:extLst>
-          </p:cNvPr>
-          <p:cNvSpPr txBox="1"/>
-          <p:nvPr/>
-        </p:nvSpPr>
-        <p:spPr>
-          <a:xfrm>
-            <a:off x="6191250" y="1716626"/>
-            <a:ext cx="5562600" cy="4297680"/>
-          </a:xfrm>
-          <a:prstGeom prst="rect">
-            <a:avLst/>
-          </a:prstGeom>
-          <a:solidFill>
-            <a:schemeClr val="bg1"/>
-          </a:solidFill>
-        </p:spPr>
-        <p:txBody>
-          <a:bodyPr wrap="square" rtlCol="0" anchor="ctr">
-            <a:spAutoFit/>
-          </a:bodyPr>
-          <a:lstStyle/>
-          <a:p>
-            <a:pPr algn="ctr"/>
-            <a:r>
-              <a:rPr lang="en-US" sz="3600" i="1" dirty="0">
-                <a:solidFill>
-                  <a:schemeClr val="tx2"/>
-                </a:solidFill>
-              </a:rPr>
-              <a:t>COVID-19 cases did affect </a:t>
-            </a:r>
-            <a:br>
-              <a:rPr lang="en-US" sz="3600" i="1" dirty="0">
-                <a:solidFill>
-                  <a:schemeClr val="tx2"/>
-                </a:solidFill>
-              </a:rPr>
-            </a:br>
-            <a:r>
-              <a:rPr lang="en-US" sz="3600" i="1" dirty="0">
-                <a:solidFill>
-                  <a:schemeClr val="tx2"/>
-                </a:solidFill>
-              </a:rPr>
-              <a:t>CalFresh aid, but not until </a:t>
-            </a:r>
-            <a:br>
-              <a:rPr lang="en-US" sz="3600" i="1" dirty="0">
-                <a:solidFill>
-                  <a:schemeClr val="tx2"/>
-                </a:solidFill>
-              </a:rPr>
-            </a:br>
-            <a:r>
-              <a:rPr lang="en-US" sz="3600" i="1" dirty="0">
-                <a:solidFill>
-                  <a:schemeClr val="tx2"/>
-                </a:solidFill>
-              </a:rPr>
-              <a:t>the second-wave spike in </a:t>
-            </a:r>
-            <a:br>
-              <a:rPr lang="en-US" sz="3600" i="1" dirty="0">
-                <a:solidFill>
-                  <a:schemeClr val="tx2"/>
-                </a:solidFill>
-              </a:rPr>
-            </a:br>
-            <a:r>
-              <a:rPr lang="en-US" sz="3600" i="1" dirty="0">
-                <a:solidFill>
-                  <a:schemeClr val="tx2"/>
-                </a:solidFill>
-              </a:rPr>
-              <a:t>the Fall of 2020. </a:t>
-            </a:r>
-          </a:p>
-        </p:txBody>
-      </p:sp>
-      <p:pic>
-        <p:nvPicPr>
-          <p:cNvPr id="15" name="Content Placeholder 18">
-            <a:extLst>
-              <a:ext uri="{FF2B5EF4-FFF2-40B4-BE49-F238E27FC236}">
-                <a16:creationId xmlns:a16="http://schemas.microsoft.com/office/drawing/2014/main" id="{74365E75-0BAE-45DC-A4EB-BFCC982D19B2}"/>
-              </a:ext>
-            </a:extLst>
-          </p:cNvPr>
-          <p:cNvPicPr>
-            <a:picLocks noGrp="1" noChangeAspect="1"/>
-          </p:cNvPicPr>
-          <p:nvPr>
-            <p:ph sz="half" idx="2"/>
-          </p:nvPr>
-        </p:nvPicPr>
-        <p:blipFill>
-          <a:blip r:embed="rId4"/>
-          <a:stretch>
-            <a:fillRect/>
-          </a:stretch>
-        </p:blipFill>
-        <p:spPr>
-          <a:xfrm>
-            <a:off x="609600" y="2636044"/>
-            <a:ext cx="5384800" cy="3028949"/>
-          </a:xfrm>
-        </p:spPr>
-      </p:pic>
-      <p:sp>
-        <p:nvSpPr>
           <p:cNvPr id="16" name="Arrow: Right 15">
             <a:extLst>
               <a:ext uri="{FF2B5EF4-FFF2-40B4-BE49-F238E27FC236}">
@@ -13121,6 +13680,35 @@
           </a:p>
         </p:txBody>
       </p:sp>
+      <p:pic>
+        <p:nvPicPr>
+          <p:cNvPr id="13" name="Content Placeholder 12">
+            <a:extLst>
+              <a:ext uri="{FF2B5EF4-FFF2-40B4-BE49-F238E27FC236}">
+                <a16:creationId xmlns:a16="http://schemas.microsoft.com/office/drawing/2014/main" id="{CEE7A3E6-5AB1-422B-A8A4-A6EAB2F6E217}"/>
+              </a:ext>
+            </a:extLst>
+          </p:cNvPr>
+          <p:cNvPicPr>
+            <a:picLocks noGrp="1" noChangeAspect="1"/>
+          </p:cNvPicPr>
+          <p:nvPr>
+            <p:ph sz="quarter" idx="4"/>
+          </p:nvPr>
+        </p:nvPicPr>
+        <p:blipFill>
+          <a:blip r:embed="rId4"/>
+          <a:stretch>
+            <a:fillRect/>
+          </a:stretch>
+        </p:blipFill>
+        <p:spPr>
+          <a:xfrm>
+            <a:off x="6191250" y="2635151"/>
+            <a:ext cx="5387975" cy="3030735"/>
+          </a:xfrm>
+        </p:spPr>
+      </p:pic>
     </p:spTree>
     <p:extLst>
       <p:ext uri="{BB962C8B-B14F-4D97-AF65-F5344CB8AC3E}">
@@ -13143,6 +13731,9 @@
                     <p:cTn id="3" fill="hold">
                       <p:stCondLst>
                         <p:cond delay="indefinite"/>
+                        <p:cond evt="onBegin" delay="0">
+                          <p:tn val="2"/>
+                        </p:cond>
                       </p:stCondLst>
                       <p:childTnLst>
                         <p:par>
@@ -13152,7 +13743,7 @@
                             </p:stCondLst>
                             <p:childTnLst>
                               <p:par>
-                                <p:cTn id="5" presetID="1" presetClass="entr" presetSubtype="0" fill="hold" grpId="0" nodeType="clickEffect">
+                                <p:cTn id="5" presetID="1" presetClass="entr" presetSubtype="0" fill="hold" grpId="0" nodeType="withEffect">
                                   <p:stCondLst>
                                     <p:cond delay="0"/>
                                   </p:stCondLst>
@@ -13160,6 +13751,118 @@
                                     <p:set>
                                       <p:cBhvr>
                                         <p:cTn id="6" dur="1" fill="hold">
+                                          <p:stCondLst>
+                                            <p:cond delay="0"/>
+                                          </p:stCondLst>
+                                        </p:cTn>
+                                        <p:tgtEl>
+                                          <p:spTgt spid="32">
+                                            <p:txEl>
+                                              <p:pRg st="0" end="0"/>
+                                            </p:txEl>
+                                          </p:spTgt>
+                                        </p:tgtEl>
+                                        <p:attrNameLst>
+                                          <p:attrName>style.visibility</p:attrName>
+                                        </p:attrNameLst>
+                                      </p:cBhvr>
+                                      <p:to>
+                                        <p:strVal val="visible"/>
+                                      </p:to>
+                                    </p:set>
+                                  </p:childTnLst>
+                                  <p:subTnLst>
+                                    <p:set>
+                                      <p:cBhvr override="childStyle">
+                                        <p:cTn dur="1" fill="hold" display="0" masterRel="nextClick" afterEffect="1"/>
+                                        <p:tgtEl>
+                                          <p:spTgt spid="32">
+                                            <p:txEl>
+                                              <p:pRg st="0" end="0"/>
+                                            </p:txEl>
+                                          </p:spTgt>
+                                        </p:tgtEl>
+                                        <p:attrNameLst>
+                                          <p:attrName>style.visibility</p:attrName>
+                                        </p:attrNameLst>
+                                      </p:cBhvr>
+                                      <p:to>
+                                        <p:strVal val="hidden"/>
+                                      </p:to>
+                                    </p:set>
+                                  </p:subTnLst>
+                                </p:cTn>
+                              </p:par>
+                              <p:par>
+                                <p:cTn id="7" presetID="1" presetClass="entr" presetSubtype="0" fill="hold" nodeType="withEffect">
+                                  <p:stCondLst>
+                                    <p:cond delay="0"/>
+                                  </p:stCondLst>
+                                  <p:childTnLst>
+                                    <p:set>
+                                      <p:cBhvr>
+                                        <p:cTn id="8" dur="1" fill="hold">
+                                          <p:stCondLst>
+                                            <p:cond delay="0"/>
+                                          </p:stCondLst>
+                                        </p:cTn>
+                                        <p:tgtEl>
+                                          <p:spTgt spid="13"/>
+                                        </p:tgtEl>
+                                        <p:attrNameLst>
+                                          <p:attrName>style.visibility</p:attrName>
+                                        </p:attrNameLst>
+                                      </p:cBhvr>
+                                      <p:to>
+                                        <p:strVal val="visible"/>
+                                      </p:to>
+                                    </p:set>
+                                  </p:childTnLst>
+                                  <p:subTnLst>
+                                    <p:set>
+                                      <p:cBhvr override="childStyle">
+                                        <p:cTn dur="1" fill="hold" display="0" masterRel="nextClick" afterEffect="1"/>
+                                        <p:tgtEl>
+                                          <p:spTgt spid="13"/>
+                                        </p:tgtEl>
+                                        <p:attrNameLst>
+                                          <p:attrName>style.visibility</p:attrName>
+                                        </p:attrNameLst>
+                                      </p:cBhvr>
+                                      <p:to>
+                                        <p:strVal val="hidden"/>
+                                      </p:to>
+                                    </p:set>
+                                  </p:subTnLst>
+                                </p:cTn>
+                              </p:par>
+                            </p:childTnLst>
+                          </p:cTn>
+                        </p:par>
+                      </p:childTnLst>
+                    </p:cTn>
+                  </p:par>
+                  <p:par>
+                    <p:cTn id="9" fill="hold">
+                      <p:stCondLst>
+                        <p:cond delay="indefinite"/>
+                      </p:stCondLst>
+                      <p:childTnLst>
+                        <p:par>
+                          <p:cTn id="10" fill="hold">
+                            <p:stCondLst>
+                              <p:cond delay="0"/>
+                            </p:stCondLst>
+                            <p:childTnLst>
+                              <p:par>
+                                <p:cTn id="11" presetID="1" presetClass="entr" presetSubtype="0" fill="hold" grpId="0" nodeType="clickEffect">
+                                  <p:stCondLst>
+                                    <p:cond delay="0"/>
+                                  </p:stCondLst>
+                                  <p:childTnLst>
+                                    <p:set>
+                                      <p:cBhvr>
+                                        <p:cTn id="12" dur="1" fill="hold">
                                           <p:stCondLst>
                                             <p:cond delay="0"/>
                                           </p:stCondLst>
@@ -13179,20 +13882,20 @@
                                 </p:cTn>
                               </p:par>
                               <p:par>
-                                <p:cTn id="7" presetID="10" presetClass="entr" presetSubtype="0" fill="hold" nodeType="withEffect">
+                                <p:cTn id="13" presetID="1" presetClass="entr" presetSubtype="0" fill="hold" nodeType="withEffect">
                                   <p:stCondLst>
                                     <p:cond delay="0"/>
                                   </p:stCondLst>
                                   <p:childTnLst>
                                     <p:set>
                                       <p:cBhvr>
-                                        <p:cTn id="8" dur="1" fill="hold">
+                                        <p:cTn id="14" dur="1" fill="hold">
                                           <p:stCondLst>
                                             <p:cond delay="0"/>
                                           </p:stCondLst>
                                         </p:cTn>
                                         <p:tgtEl>
-                                          <p:spTgt spid="15"/>
+                                          <p:spTgt spid="9"/>
                                         </p:tgtEl>
                                         <p:attrNameLst>
                                           <p:attrName>style.visibility</p:attrName>
@@ -13202,14 +13905,6 @@
                                         <p:strVal val="visible"/>
                                       </p:to>
                                     </p:set>
-                                    <p:animEffect transition="in" filter="fade">
-                                      <p:cBhvr>
-                                        <p:cTn id="9" dur="500"/>
-                                        <p:tgtEl>
-                                          <p:spTgt spid="15"/>
-                                        </p:tgtEl>
-                                      </p:cBhvr>
-                                    </p:animEffect>
                                   </p:childTnLst>
                                 </p:cTn>
                               </p:par>
@@ -13217,20 +13912,20 @@
                           </p:cTn>
                         </p:par>
                         <p:par>
-                          <p:cTn id="10" fill="hold">
+                          <p:cTn id="15" fill="hold">
                             <p:stCondLst>
-                              <p:cond delay="500"/>
+                              <p:cond delay="0"/>
                             </p:stCondLst>
                             <p:childTnLst>
                               <p:par>
-                                <p:cTn id="11" presetID="10" presetClass="entr" presetSubtype="0" fill="hold" grpId="0" nodeType="afterEffect">
+                                <p:cTn id="16" presetID="10" presetClass="entr" presetSubtype="0" fill="hold" grpId="0" nodeType="afterEffect">
                                   <p:stCondLst>
                                     <p:cond delay="1500"/>
                                   </p:stCondLst>
                                   <p:childTnLst>
                                     <p:set>
                                       <p:cBhvr>
-                                        <p:cTn id="12" dur="1" fill="hold">
+                                        <p:cTn id="17" dur="1" fill="hold">
                                           <p:stCondLst>
                                             <p:cond delay="0"/>
                                           </p:stCondLst>
@@ -13248,7 +13943,7 @@
                                     </p:set>
                                     <p:animEffect transition="in" filter="fade">
                                       <p:cBhvr>
-                                        <p:cTn id="13" dur="500"/>
+                                        <p:cTn id="18" dur="500"/>
                                         <p:tgtEl>
                                           <p:spTgt spid="16"/>
                                         </p:tgtEl>
@@ -13264,26 +13959,26 @@
                     </p:cTn>
                   </p:par>
                   <p:par>
-                    <p:cTn id="14" fill="hold">
+                    <p:cTn id="19" fill="hold">
                       <p:stCondLst>
                         <p:cond delay="indefinite"/>
                       </p:stCondLst>
                       <p:childTnLst>
                         <p:par>
-                          <p:cTn id="15" fill="hold">
+                          <p:cTn id="20" fill="hold">
                             <p:stCondLst>
                               <p:cond delay="0"/>
                             </p:stCondLst>
                             <p:childTnLst>
                               <p:par>
-                                <p:cTn id="16" presetID="10" presetClass="entr" presetSubtype="0" fill="hold" grpId="0" nodeType="clickEffect">
+                                <p:cTn id="21" presetID="10" presetClass="entr" presetSubtype="0" fill="hold" grpId="0" nodeType="clickEffect">
                                   <p:stCondLst>
                                     <p:cond delay="0"/>
                                   </p:stCondLst>
                                   <p:childTnLst>
                                     <p:set>
                                       <p:cBhvr>
-                                        <p:cTn id="17" dur="1" fill="hold">
+                                        <p:cTn id="22" dur="1" fill="hold">
                                           <p:stCondLst>
                                             <p:cond delay="0"/>
                                           </p:stCondLst>
@@ -13301,7 +13996,7 @@
                                     </p:set>
                                     <p:animEffect transition="in" filter="fade">
                                       <p:cBhvr>
-                                        <p:cTn id="18" dur="500"/>
+                                        <p:cTn id="23" dur="500"/>
                                         <p:tgtEl>
                                           <p:spTgt spid="4"/>
                                         </p:tgtEl>
@@ -13338,8 +14033,9 @@
       </p:par>
     </p:tnLst>
     <p:bldLst>
+      <p:bldP spid="4" grpId="0" animBg="1"/>
+      <p:bldP spid="32" grpId="0" build="p"/>
       <p:bldP spid="33" grpId="0"/>
-      <p:bldP spid="4" grpId="0"/>
       <p:bldP spid="16" grpId="0" animBg="1"/>
     </p:bldLst>
   </p:timing>
@@ -16812,7 +17508,7 @@
           </p:nvPr>
         </p:nvPicPr>
         <p:blipFill>
-          <a:blip r:embed="rId2"/>
+          <a:blip r:embed="rId3"/>
           <a:stretch>
             <a:fillRect/>
           </a:stretch>
@@ -16839,7 +17535,7 @@
           <p:nvPr/>
         </p:nvPicPr>
         <p:blipFill>
-          <a:blip r:embed="rId3"/>
+          <a:blip r:embed="rId4"/>
           <a:stretch>
             <a:fillRect/>
           </a:stretch>
@@ -16975,7 +17671,7 @@
           <p:nvPr/>
         </p:nvPicPr>
         <p:blipFill>
-          <a:blip r:embed="rId2"/>
+          <a:blip r:embed="rId3"/>
           <a:stretch>
             <a:fillRect/>
           </a:stretch>
@@ -17005,7 +17701,7 @@
           <p:nvPr/>
         </p:nvPicPr>
         <p:blipFill>
-          <a:blip r:embed="rId3"/>
+          <a:blip r:embed="rId4"/>
           <a:stretch>
             <a:fillRect/>
           </a:stretch>
@@ -17495,7 +18191,7 @@
         </p:xfrm>
         <a:graphic>
           <a:graphicData uri="http://schemas.openxmlformats.org/drawingml/2006/chart">
-            <c:chart xmlns:c="http://schemas.openxmlformats.org/drawingml/2006/chart" xmlns:r="http://schemas.openxmlformats.org/officeDocument/2006/relationships" r:id="rId2"/>
+            <c:chart xmlns:c="http://schemas.openxmlformats.org/drawingml/2006/chart" xmlns:r="http://schemas.openxmlformats.org/officeDocument/2006/relationships" r:id="rId3"/>
           </a:graphicData>
         </a:graphic>
       </p:graphicFrame>
@@ -17519,7 +18215,7 @@
         </p:xfrm>
         <a:graphic>
           <a:graphicData uri="http://schemas.openxmlformats.org/drawingml/2006/chart">
-            <c:chart xmlns:c="http://schemas.openxmlformats.org/drawingml/2006/chart" xmlns:r="http://schemas.openxmlformats.org/officeDocument/2006/relationships" r:id="rId3"/>
+            <c:chart xmlns:c="http://schemas.openxmlformats.org/drawingml/2006/chart" xmlns:r="http://schemas.openxmlformats.org/officeDocument/2006/relationships" r:id="rId4"/>
           </a:graphicData>
         </a:graphic>
       </p:graphicFrame>
@@ -17709,7 +18405,7 @@
         </p:xfrm>
         <a:graphic>
           <a:graphicData uri="http://schemas.openxmlformats.org/drawingml/2006/chart">
-            <c:chart xmlns:c="http://schemas.openxmlformats.org/drawingml/2006/chart" xmlns:r="http://schemas.openxmlformats.org/officeDocument/2006/relationships" r:id="rId2"/>
+            <c:chart xmlns:c="http://schemas.openxmlformats.org/drawingml/2006/chart" xmlns:r="http://schemas.openxmlformats.org/officeDocument/2006/relationships" r:id="rId3"/>
           </a:graphicData>
         </a:graphic>
       </p:graphicFrame>
@@ -17806,35 +18502,6 @@
           </a:p>
         </p:txBody>
       </p:sp>
-      <p:pic>
-        <p:nvPicPr>
-          <p:cNvPr id="19" name="Content Placeholder 18">
-            <a:extLst>
-              <a:ext uri="{FF2B5EF4-FFF2-40B4-BE49-F238E27FC236}">
-                <a16:creationId xmlns:a16="http://schemas.microsoft.com/office/drawing/2014/main" id="{529C7CD5-FD00-4FD7-8D23-6DE9B933DE91}"/>
-              </a:ext>
-            </a:extLst>
-          </p:cNvPr>
-          <p:cNvPicPr>
-            <a:picLocks noGrp="1" noChangeAspect="1"/>
-          </p:cNvPicPr>
-          <p:nvPr>
-            <p:ph sz="half" idx="2"/>
-          </p:nvPr>
-        </p:nvPicPr>
-        <p:blipFill>
-          <a:blip r:embed="rId3"/>
-          <a:stretch>
-            <a:fillRect/>
-          </a:stretch>
-        </p:blipFill>
-        <p:spPr>
-          <a:xfrm>
-            <a:off x="609600" y="2636044"/>
-            <a:ext cx="5384800" cy="3028949"/>
-          </a:xfrm>
-        </p:spPr>
-      </p:pic>
       <p:sp>
         <p:nvSpPr>
           <p:cNvPr id="36" name="TextBox 35">
@@ -17883,6 +18550,35 @@
           </a:p>
         </p:txBody>
       </p:sp>
+      <p:pic>
+        <p:nvPicPr>
+          <p:cNvPr id="9" name="Content Placeholder 8">
+            <a:extLst>
+              <a:ext uri="{FF2B5EF4-FFF2-40B4-BE49-F238E27FC236}">
+                <a16:creationId xmlns:a16="http://schemas.microsoft.com/office/drawing/2014/main" id="{6392A32D-14D0-4401-B046-9B8C4B713A56}"/>
+              </a:ext>
+            </a:extLst>
+          </p:cNvPr>
+          <p:cNvPicPr>
+            <a:picLocks noGrp="1" noChangeAspect="1"/>
+          </p:cNvPicPr>
+          <p:nvPr>
+            <p:ph sz="half" idx="2"/>
+          </p:nvPr>
+        </p:nvPicPr>
+        <p:blipFill>
+          <a:blip r:embed="rId3"/>
+          <a:stretch>
+            <a:fillRect/>
+          </a:stretch>
+        </p:blipFill>
+        <p:spPr>
+          <a:xfrm>
+            <a:off x="609600" y="2636044"/>
+            <a:ext cx="5384800" cy="3028949"/>
+          </a:xfrm>
+        </p:spPr>
+      </p:pic>
     </p:spTree>
     <p:extLst>
       <p:ext uri="{BB962C8B-B14F-4D97-AF65-F5344CB8AC3E}">
@@ -17954,30 +18650,10 @@
                                       </p:cBhvr>
                                     </p:animEffect>
                                   </p:childTnLst>
-                                  <p:subTnLst>
-                                    <p:set>
-                                      <p:cBhvr override="childStyle">
-                                        <p:cTn dur="1" fill="hold" display="0" masterRel="nextClick" afterEffect="1"/>
-                                        <p:tgtEl>
-                                          <p:spTgt spid="3">
-                                            <p:txEl>
-                                              <p:pRg st="0" end="0"/>
-                                            </p:txEl>
-                                          </p:spTgt>
-                                        </p:tgtEl>
-                                        <p:attrNameLst>
-                                          <p:attrName>style.visibility</p:attrName>
-                                        </p:attrNameLst>
-                                      </p:cBhvr>
-                                      <p:to>
-                                        <p:strVal val="hidden"/>
-                                      </p:to>
-                                    </p:set>
-                                  </p:subTnLst>
                                 </p:cTn>
                               </p:par>
                               <p:par>
-                                <p:cTn id="8" presetID="10" presetClass="entr" presetSubtype="0" fill="hold" nodeType="withEffect">
+                                <p:cTn id="8" presetID="1" presetClass="entr" presetSubtype="0" fill="hold" nodeType="withEffect">
                                   <p:stCondLst>
                                     <p:cond delay="0"/>
                                   </p:stCondLst>
@@ -17990,7 +18666,7 @@
                                           </p:stCondLst>
                                         </p:cTn>
                                         <p:tgtEl>
-                                          <p:spTgt spid="19"/>
+                                          <p:spTgt spid="9"/>
                                         </p:tgtEl>
                                         <p:attrNameLst>
                                           <p:attrName>style.visibility</p:attrName>
@@ -18000,42 +18676,18 @@
                                         <p:strVal val="visible"/>
                                       </p:to>
                                     </p:set>
-                                    <p:animEffect transition="in" filter="fade">
-                                      <p:cBhvr>
-                                        <p:cTn id="10" dur="500"/>
-                                        <p:tgtEl>
-                                          <p:spTgt spid="19"/>
-                                        </p:tgtEl>
-                                      </p:cBhvr>
-                                    </p:animEffect>
                                   </p:childTnLst>
-                                  <p:subTnLst>
-                                    <p:set>
-                                      <p:cBhvr override="childStyle">
-                                        <p:cTn dur="1" fill="hold" display="0" masterRel="nextClick" afterEffect="1"/>
-                                        <p:tgtEl>
-                                          <p:spTgt spid="19"/>
-                                        </p:tgtEl>
-                                        <p:attrNameLst>
-                                          <p:attrName>style.visibility</p:attrName>
-                                        </p:attrNameLst>
-                                      </p:cBhvr>
-                                      <p:to>
-                                        <p:strVal val="hidden"/>
-                                      </p:to>
-                                    </p:set>
-                                  </p:subTnLst>
                                 </p:cTn>
                               </p:par>
                               <p:par>
-                                <p:cTn id="11" presetID="1" presetClass="entr" presetSubtype="0" fill="hold" grpId="0" nodeType="withEffect">
+                                <p:cTn id="10" presetID="1" presetClass="entr" presetSubtype="0" fill="hold" grpId="0" nodeType="withEffect">
                                   <p:stCondLst>
                                     <p:cond delay="1500"/>
                                   </p:stCondLst>
                                   <p:childTnLst>
                                     <p:set>
                                       <p:cBhvr>
-                                        <p:cTn id="12" dur="1" fill="hold">
+                                        <p:cTn id="11" dur="1" fill="hold">
                                           <p:stCondLst>
                                             <p:cond delay="0"/>
                                           </p:stCondLst>
@@ -18055,14 +18707,14 @@
                                 </p:cTn>
                               </p:par>
                               <p:par>
-                                <p:cTn id="13" presetID="26" presetClass="emph" presetSubtype="0" fill="hold" grpId="1" nodeType="withEffect">
+                                <p:cTn id="12" presetID="26" presetClass="emph" presetSubtype="0" fill="hold" grpId="1" nodeType="withEffect">
                                   <p:stCondLst>
                                     <p:cond delay="1500"/>
                                   </p:stCondLst>
                                   <p:childTnLst>
                                     <p:animEffect transition="out" filter="fade">
                                       <p:cBhvr>
-                                        <p:cTn id="14" dur="500" tmFilter="0, 0; .2, .5; .8, .5; 1, 0"/>
+                                        <p:cTn id="13" dur="500" tmFilter="0, 0; .2, .5; .8, .5; 1, 0"/>
                                         <p:tgtEl>
                                           <p:spTgt spid="36"/>
                                         </p:tgtEl>
@@ -18070,7 +18722,7 @@
                                     </p:animEffect>
                                     <p:animScale>
                                       <p:cBhvr>
-                                        <p:cTn id="15" dur="250" autoRev="1" fill="hold"/>
+                                        <p:cTn id="14" dur="250" autoRev="1" fill="hold"/>
                                         <p:tgtEl>
                                           <p:spTgt spid="36"/>
                                         </p:tgtEl>
@@ -18078,22 +18730,6 @@
                                       <p:by x="105000" y="105000"/>
                                     </p:animScale>
                                   </p:childTnLst>
-                                  <p:subTnLst>
-                                    <p:set>
-                                      <p:cBhvr override="childStyle">
-                                        <p:cTn dur="1" fill="hold" display="0" masterRel="nextClick" afterEffect="1"/>
-                                        <p:tgtEl>
-                                          <p:spTgt spid="36"/>
-                                        </p:tgtEl>
-                                        <p:attrNameLst>
-                                          <p:attrName>style.visibility</p:attrName>
-                                        </p:attrNameLst>
-                                      </p:cBhvr>
-                                      <p:to>
-                                        <p:strVal val="hidden"/>
-                                      </p:to>
-                                    </p:set>
-                                  </p:subTnLst>
                                 </p:cTn>
                               </p:par>
                             </p:childTnLst>
@@ -19042,15 +19678,6 @@
 </file>
 
 <file path=customXml/item2.xml><?xml version="1.0" encoding="utf-8"?>
-<?mso-contentType ?>
-<FormTemplates xmlns="http://schemas.microsoft.com/sharepoint/v3/contenttype/forms">
-  <Display>DocumentLibraryForm</Display>
-  <Edit>DocumentLibraryForm</Edit>
-  <New>DocumentLibraryForm</New>
-</FormTemplates>
-</file>
-
-<file path=customXml/item3.xml><?xml version="1.0" encoding="utf-8"?>
 <ct:contentTypeSchema xmlns:ct="http://schemas.microsoft.com/office/2006/metadata/contentType" xmlns:ma="http://schemas.microsoft.com/office/2006/metadata/properties/metaAttributes" ct:_="" ma:_="" ma:contentTypeName="Document" ma:contentTypeID="0x01010079F111ED35F8CC479449609E8A0923A6" ma:contentTypeVersion="11" ma:contentTypeDescription="Create a new document." ma:contentTypeScope="" ma:versionID="96291512c1ee715ab617f4c07df79fc1">
   <xsd:schema xmlns:xsd="http://www.w3.org/2001/XMLSchema" xmlns:xs="http://www.w3.org/2001/XMLSchema" xmlns:p="http://schemas.microsoft.com/office/2006/metadata/properties" xmlns:ns2="71af3243-3dd4-4a8d-8c0d-dd76da1f02a5" xmlns:ns3="16c05727-aa75-4e4a-9b5f-8a80a1165891" targetNamespace="http://schemas.microsoft.com/office/2006/metadata/properties" ma:root="true" ma:fieldsID="8256c27c40ca5c40ce1cf6c44f0205df" ns2:_="" ns3:_="">
     <xsd:import namespace="71af3243-3dd4-4a8d-8c0d-dd76da1f02a5"/>
@@ -19261,6 +19888,15 @@
 </ct:contentTypeSchema>
 </file>
 
+<file path=customXml/item3.xml><?xml version="1.0" encoding="utf-8"?>
+<?mso-contentType ?>
+<FormTemplates xmlns="http://schemas.microsoft.com/sharepoint/v3/contenttype/forms">
+  <Display>DocumentLibraryForm</Display>
+  <Edit>DocumentLibraryForm</Edit>
+  <New>DocumentLibraryForm</New>
+</FormTemplates>
+</file>
+
 <file path=customXml/itemProps1.xml><?xml version="1.0" encoding="utf-8"?>
 <ds:datastoreItem xmlns:ds="http://schemas.openxmlformats.org/officeDocument/2006/customXml" ds:itemID="{E6C1CB0A-BB6E-4E95-95A3-95BDF5FBAB70}">
   <ds:schemaRefs>
@@ -19272,14 +19908,6 @@
 </file>
 
 <file path=customXml/itemProps2.xml><?xml version="1.0" encoding="utf-8"?>
-<ds:datastoreItem xmlns:ds="http://schemas.openxmlformats.org/officeDocument/2006/customXml" ds:itemID="{E430EB58-BCE7-41D9-A117-44B48F13F84B}">
-  <ds:schemaRefs>
-    <ds:schemaRef ds:uri="http://schemas.microsoft.com/sharepoint/v3/contenttype/forms"/>
-  </ds:schemaRefs>
-</ds:datastoreItem>
-</file>
-
-<file path=customXml/itemProps3.xml><?xml version="1.0" encoding="utf-8"?>
 <ds:datastoreItem xmlns:ds="http://schemas.openxmlformats.org/officeDocument/2006/customXml" ds:itemID="{D3200ABC-C80D-422B-8848-EDEE60F84ED4}">
   <ds:schemaRefs>
     <ds:schemaRef ds:uri="http://schemas.microsoft.com/office/2006/metadata/contentType"/>
@@ -19296,4 +19924,12 @@
     <ds:schemaRef ds:uri="http://schemas.microsoft.com/internal/obd"/>
   </ds:schemaRefs>
 </ds:datastoreItem>
+</file>
+
+<file path=customXml/itemProps3.xml><?xml version="1.0" encoding="utf-8"?>
+<ds:datastoreItem xmlns:ds="http://schemas.openxmlformats.org/officeDocument/2006/customXml" ds:itemID="{E430EB58-BCE7-41D9-A117-44B48F13F84B}">
+  <ds:schemaRefs>
+    <ds:schemaRef ds:uri="http://schemas.microsoft.com/sharepoint/v3/contenttype/forms"/>
+  </ds:schemaRefs>
+</ds:datastoreItem>
 </file>